--- a/Spring Properties.pptx
+++ b/Spring Properties.pptx
@@ -7,21 +7,25 @@
   <p:sldIdLst>
     <p:sldId id="256" r:id="rId2"/>
     <p:sldId id="267" r:id="rId3"/>
-    <p:sldId id="263" r:id="rId4"/>
-    <p:sldId id="265" r:id="rId5"/>
-    <p:sldId id="257" r:id="rId6"/>
-    <p:sldId id="259" r:id="rId7"/>
-    <p:sldId id="260" r:id="rId8"/>
-    <p:sldId id="261" r:id="rId9"/>
-    <p:sldId id="258" r:id="rId10"/>
-    <p:sldId id="262" r:id="rId11"/>
-    <p:sldId id="266" r:id="rId12"/>
-    <p:sldId id="268" r:id="rId13"/>
-    <p:sldId id="269" r:id="rId14"/>
-    <p:sldId id="270" r:id="rId15"/>
-    <p:sldId id="271" r:id="rId16"/>
-    <p:sldId id="272" r:id="rId17"/>
-    <p:sldId id="273" r:id="rId18"/>
+    <p:sldId id="274" r:id="rId4"/>
+    <p:sldId id="275" r:id="rId5"/>
+    <p:sldId id="276" r:id="rId6"/>
+    <p:sldId id="278" r:id="rId7"/>
+    <p:sldId id="263" r:id="rId8"/>
+    <p:sldId id="277" r:id="rId9"/>
+    <p:sldId id="265" r:id="rId10"/>
+    <p:sldId id="257" r:id="rId11"/>
+    <p:sldId id="259" r:id="rId12"/>
+    <p:sldId id="260" r:id="rId13"/>
+    <p:sldId id="261" r:id="rId14"/>
+    <p:sldId id="258" r:id="rId15"/>
+    <p:sldId id="262" r:id="rId16"/>
+    <p:sldId id="266" r:id="rId17"/>
+    <p:sldId id="268" r:id="rId18"/>
+    <p:sldId id="269" r:id="rId19"/>
+    <p:sldId id="271" r:id="rId20"/>
+    <p:sldId id="272" r:id="rId21"/>
+    <p:sldId id="273" r:id="rId22"/>
   </p:sldIdLst>
   <p:sldSz cx="12192000" cy="6858000"/>
   <p:notesSz cx="6858000" cy="9144000"/>
@@ -464,7 +468,7 @@
             <a:fld id="{5923F103-BC34-4FE4-A40E-EDDEECFDA5D0}" type="datetimeFigureOut">
               <a:rPr lang="en-US" dirty="0"/>
               <a:pPr/>
-              <a:t>6/5/2018</a:t>
+              <a:t>6/7/2018</a:t>
             </a:fld>
             <a:endParaRPr lang="en-US" dirty="0"/>
           </a:p>
@@ -1552,7 +1556,7 @@
           <a:p>
             <a:fld id="{923A1CC3-2375-41D4-9E03-427CAF2A4C1A}" type="datetimeFigureOut">
               <a:rPr lang="en-US" dirty="0"/>
-              <a:t>6/5/2018</a:t>
+              <a:t>6/7/2018</a:t>
             </a:fld>
             <a:endParaRPr lang="en-US" dirty="0"/>
           </a:p>
@@ -2532,7 +2536,7 @@
           <a:p>
             <a:fld id="{AFF16868-8199-4C2C-A5B1-63AEE139F88E}" type="datetimeFigureOut">
               <a:rPr lang="en-US" dirty="0"/>
-              <a:t>6/5/2018</a:t>
+              <a:t>6/7/2018</a:t>
             </a:fld>
             <a:endParaRPr lang="en-US" dirty="0"/>
           </a:p>
@@ -3666,7 +3670,7 @@
           <a:p>
             <a:fld id="{AAD9FF7F-6988-44CC-821B-644E70CD2F73}" type="datetimeFigureOut">
               <a:rPr lang="en-US" dirty="0"/>
-              <a:t>6/5/2018</a:t>
+              <a:t>6/7/2018</a:t>
             </a:fld>
             <a:endParaRPr lang="en-US" dirty="0"/>
           </a:p>
@@ -4699,7 +4703,7 @@
           <a:p>
             <a:fld id="{5C12C299-16B2-4475-990D-751901EACC14}" type="datetimeFigureOut">
               <a:rPr lang="en-US" dirty="0"/>
-              <a:t>6/5/2018</a:t>
+              <a:t>6/7/2018</a:t>
             </a:fld>
             <a:endParaRPr lang="en-US" dirty="0"/>
           </a:p>
@@ -5359,7 +5363,7 @@
           <a:p>
             <a:fld id="{9FE86839-B9D8-4651-8783-F325ECE74E65}" type="datetimeFigureOut">
               <a:rPr lang="en-US" dirty="0"/>
-              <a:t>6/5/2018</a:t>
+              <a:t>6/7/2018</a:t>
             </a:fld>
             <a:endParaRPr lang="en-US" dirty="0"/>
           </a:p>
@@ -6220,7 +6224,7 @@
           <a:p>
             <a:fld id="{FD484F64-32F6-45C5-931F-ADC1662401D0}" type="datetimeFigureOut">
               <a:rPr lang="en-US" dirty="0"/>
-              <a:t>6/5/2018</a:t>
+              <a:t>6/7/2018</a:t>
             </a:fld>
             <a:endParaRPr lang="en-US" dirty="0"/>
           </a:p>
@@ -6410,7 +6414,7 @@
           <a:p>
             <a:fld id="{53086D93-FCAC-47E0-A2EE-787E62CA814C}" type="datetimeFigureOut">
               <a:rPr lang="en-US" dirty="0"/>
-              <a:t>6/5/2018</a:t>
+              <a:t>6/7/2018</a:t>
             </a:fld>
             <a:endParaRPr lang="en-US" dirty="0"/>
           </a:p>
@@ -7382,7 +7386,7 @@
           <a:p>
             <a:fld id="{CDA879A6-0FD0-4734-A311-86BFCA472E6E}" type="datetimeFigureOut">
               <a:rPr lang="en-US" dirty="0"/>
-              <a:t>6/5/2018</a:t>
+              <a:t>6/7/2018</a:t>
             </a:fld>
             <a:endParaRPr lang="en-US" dirty="0"/>
           </a:p>
@@ -7593,7 +7597,7 @@
           <a:p>
             <a:fld id="{19C9CA7B-DFD4-44B5-8C60-D14B8CD1FB59}" type="datetimeFigureOut">
               <a:rPr lang="en-US" dirty="0"/>
-              <a:t>6/5/2018</a:t>
+              <a:t>6/7/2018</a:t>
             </a:fld>
             <a:endParaRPr lang="en-US" dirty="0"/>
           </a:p>
@@ -8627,7 +8631,7 @@
           <a:p>
             <a:fld id="{F34E6425-0181-43F2-84FC-787E803FD2F8}" type="datetimeFigureOut">
               <a:rPr lang="en-US" dirty="0"/>
-              <a:t>6/5/2018</a:t>
+              <a:t>6/7/2018</a:t>
             </a:fld>
             <a:endParaRPr lang="en-US" dirty="0"/>
           </a:p>
@@ -8899,7 +8903,7 @@
           <a:p>
             <a:fld id="{3BDB8791-F1B0-41E7-B7FD-A781E65C4266}" type="datetimeFigureOut">
               <a:rPr lang="en-US" dirty="0"/>
-              <a:t>6/5/2018</a:t>
+              <a:t>6/7/2018</a:t>
             </a:fld>
             <a:endParaRPr lang="en-US" dirty="0"/>
           </a:p>
@@ -9309,7 +9313,7 @@
           <a:p>
             <a:fld id="{5FDD63B2-E120-4ED8-B27B-C685F510A5FE}" type="datetimeFigureOut">
               <a:rPr lang="en-US" dirty="0"/>
-              <a:t>6/5/2018</a:t>
+              <a:t>6/7/2018</a:t>
             </a:fld>
             <a:endParaRPr lang="en-US" dirty="0"/>
           </a:p>
@@ -9436,7 +9440,7 @@
           <a:p>
             <a:fld id="{7AA18ACC-A947-437B-A130-35BD54FDF1E9}" type="datetimeFigureOut">
               <a:rPr lang="en-US" dirty="0"/>
-              <a:t>6/5/2018</a:t>
+              <a:t>6/7/2018</a:t>
             </a:fld>
             <a:endParaRPr lang="en-US" dirty="0"/>
           </a:p>
@@ -9531,7 +9535,7 @@
           <a:p>
             <a:fld id="{7C8D7E02-BCB8-4D50-A234-369438C08659}" type="datetimeFigureOut">
               <a:rPr lang="en-US" dirty="0"/>
-              <a:t>6/5/2018</a:t>
+              <a:t>6/7/2018</a:t>
             </a:fld>
             <a:endParaRPr lang="en-US" dirty="0"/>
           </a:p>
@@ -10612,7 +10616,7 @@
           <a:p>
             <a:fld id="{76E86A4C-8E40-4F87-A4F0-01A0687C5742}" type="datetimeFigureOut">
               <a:rPr lang="en-US" dirty="0"/>
-              <a:t>6/5/2018</a:t>
+              <a:t>6/7/2018</a:t>
             </a:fld>
             <a:endParaRPr lang="en-US" dirty="0"/>
           </a:p>
@@ -11720,7 +11724,7 @@
           <a:p>
             <a:fld id="{35E72C73-2D91-4E12-BA25-F0AA0C03599B}" type="datetimeFigureOut">
               <a:rPr lang="en-US" dirty="0"/>
-              <a:t>6/5/2018</a:t>
+              <a:t>6/7/2018</a:t>
             </a:fld>
             <a:endParaRPr lang="en-US" dirty="0"/>
           </a:p>
@@ -12717,7 +12721,7 @@
           <a:p>
             <a:fld id="{2BE451C3-0FF4-47C4-B829-773ADF60F88C}" type="datetimeFigureOut">
               <a:rPr lang="en-US" dirty="0"/>
-              <a:t>6/5/2018</a:t>
+              <a:t>6/7/2018</a:t>
             </a:fld>
             <a:endParaRPr lang="en-US" dirty="0"/>
           </a:p>
@@ -13294,15 +13298,7 @@
           <a:p>
             <a:r>
               <a:rPr lang="en-US" dirty="0" smtClean="0"/>
-              <a:t>Spring </a:t>
-            </a:r>
-            <a:r>
-              <a:rPr lang="en-US" dirty="0" smtClean="0"/>
-              <a:t>Properties, Profiles</a:t>
-            </a:r>
-            <a:r>
-              <a:rPr lang="en-US" dirty="0" smtClean="0"/>
-              <a:t>	</a:t>
+              <a:t>Spring Properties, Profiles	</a:t>
             </a:r>
             <a:endParaRPr lang="en-US" dirty="0"/>
           </a:p>
@@ -13380,34 +13376,26 @@
             <p:ph type="title"/>
           </p:nvPr>
         </p:nvSpPr>
-        <p:spPr>
-          <a:xfrm>
-            <a:off x="1219200" y="1128048"/>
-            <a:ext cx="8761413" cy="706964"/>
-          </a:xfrm>
-        </p:spPr>
+        <p:spPr/>
         <p:txBody>
           <a:bodyPr/>
           <a:lstStyle/>
           <a:p>
             <a:r>
+              <a:rPr lang="en-US" dirty="0"/>
+              <a:t>a</a:t>
+            </a:r>
+            <a:r>
               <a:rPr lang="en-US" dirty="0" smtClean="0"/>
-              <a:t>yaml</a:t>
-            </a:r>
-            <a:r>
-              <a:rPr lang="en-US" dirty="0"/>
-              <a:t/>
-            </a:r>
-            <a:br>
-              <a:rPr lang="en-US" dirty="0"/>
-            </a:br>
+              <a:t>pplication.properties</a:t>
+            </a:r>
             <a:endParaRPr lang="en-US" dirty="0"/>
           </a:p>
         </p:txBody>
       </p:sp>
       <p:sp>
         <p:nvSpPr>
-          <p:cNvPr id="3" name="Content Placeholder 2"/>
+          <p:cNvPr id="5" name="Content Placeholder 4"/>
           <p:cNvSpPr>
             <a:spLocks noGrp="1"/>
           </p:cNvSpPr>
@@ -13417,135 +13405,111 @@
         </p:nvSpPr>
         <p:spPr>
           <a:xfrm>
-            <a:off x="1219200" y="2080985"/>
+            <a:off x="1154954" y="2674751"/>
             <a:ext cx="8825659" cy="3416300"/>
           </a:xfrm>
         </p:spPr>
         <p:txBody>
           <a:bodyPr>
-            <a:normAutofit fontScale="25000" lnSpcReduction="20000"/>
+            <a:normAutofit/>
           </a:bodyPr>
           <a:lstStyle/>
           <a:p>
+            <a:pPr marL="0" indent="0">
+              <a:buNone/>
+            </a:pPr>
+            <a:r>
+              <a:rPr lang="en-US" dirty="0" smtClean="0"/>
+              <a:t># </a:t>
+            </a:r>
+            <a:r>
+              <a:rPr lang="en-US" dirty="0"/>
+              <a:t>This is the main file</a:t>
+            </a:r>
+          </a:p>
+          <a:p>
+            <a:pPr marL="0" indent="0">
+              <a:buNone/>
+            </a:pPr>
+            <a:r>
+              <a:rPr lang="en-US" dirty="0"/>
+              <a:t>spring.profiles=p1,p2,p3</a:t>
+            </a:r>
+          </a:p>
+          <a:p>
+            <a:pPr marL="0" indent="0">
+              <a:buNone/>
+            </a:pPr>
+            <a:r>
+              <a:rPr lang="en-US" dirty="0" smtClean="0"/>
+              <a:t>prop-main=hi</a:t>
+            </a:r>
+          </a:p>
+          <a:p>
+            <a:pPr marL="0" indent="0">
+              <a:buNone/>
+            </a:pPr>
+            <a:endParaRPr lang="en-US" dirty="0" smtClean="0"/>
+          </a:p>
+          <a:p>
+            <a:pPr marL="0" indent="0">
+              <a:buNone/>
+            </a:pPr>
+            <a:r>
+              <a:rPr lang="en-US" dirty="0" smtClean="0"/>
+              <a:t>spring.profiles.active= dev</a:t>
+            </a:r>
             <a:endParaRPr lang="en-US" dirty="0"/>
           </a:p>
           <a:p>
             <a:endParaRPr lang="en-US" dirty="0"/>
           </a:p>
           <a:p>
+            <a:endParaRPr lang="en-US" dirty="0"/>
+          </a:p>
+          <a:p>
+            <a:endParaRPr lang="en-US" dirty="0"/>
+          </a:p>
+          <a:p>
             <a:pPr marL="0" indent="0">
               <a:buNone/>
             </a:pPr>
-            <a:r>
-              <a:rPr lang="en-US" sz="7200" dirty="0"/>
-              <a:t>server:</a:t>
-            </a:r>
-          </a:p>
-          <a:p>
-            <a:pPr marL="0" indent="0">
-              <a:buNone/>
-            </a:pPr>
-            <a:r>
-              <a:rPr lang="en-US" sz="7200" dirty="0"/>
-              <a:t>    address: 192.168.1.100</a:t>
-            </a:r>
-          </a:p>
-          <a:p>
-            <a:pPr marL="0" indent="0">
-              <a:buNone/>
-            </a:pPr>
-            <a:r>
-              <a:rPr lang="en-US" sz="7200" dirty="0"/>
-              <a:t>---</a:t>
-            </a:r>
-          </a:p>
-          <a:p>
-            <a:pPr marL="0" indent="0">
-              <a:buNone/>
-            </a:pPr>
-            <a:r>
-              <a:rPr lang="en-US" sz="7200" dirty="0"/>
-              <a:t>spring:</a:t>
-            </a:r>
-          </a:p>
-          <a:p>
-            <a:pPr marL="0" indent="0">
-              <a:buNone/>
-            </a:pPr>
-            <a:r>
-              <a:rPr lang="en-US" sz="7200" dirty="0"/>
-              <a:t>    profiles: development</a:t>
-            </a:r>
-          </a:p>
-          <a:p>
-            <a:pPr marL="0" indent="0">
-              <a:buNone/>
-            </a:pPr>
-            <a:r>
-              <a:rPr lang="en-US" sz="7200" dirty="0"/>
-              <a:t>server:</a:t>
-            </a:r>
-          </a:p>
-          <a:p>
-            <a:pPr marL="0" indent="0">
-              <a:buNone/>
-            </a:pPr>
-            <a:r>
-              <a:rPr lang="en-US" sz="7200" dirty="0"/>
-              <a:t>    address: 127.0.0.1</a:t>
-            </a:r>
-          </a:p>
-          <a:p>
-            <a:pPr marL="0" indent="0">
-              <a:buNone/>
-            </a:pPr>
-            <a:r>
-              <a:rPr lang="en-US" sz="7200" dirty="0"/>
-              <a:t>---</a:t>
-            </a:r>
-          </a:p>
-          <a:p>
-            <a:pPr marL="0" indent="0">
-              <a:buNone/>
-            </a:pPr>
-            <a:r>
-              <a:rPr lang="en-US" sz="7200" dirty="0"/>
-              <a:t>spring:</a:t>
-            </a:r>
-          </a:p>
-          <a:p>
-            <a:pPr marL="0" indent="0">
-              <a:buNone/>
-            </a:pPr>
-            <a:r>
-              <a:rPr lang="en-US" sz="7200" dirty="0"/>
-              <a:t>    profiles: production</a:t>
-            </a:r>
-          </a:p>
-          <a:p>
-            <a:pPr marL="0" indent="0">
-              <a:buNone/>
-            </a:pPr>
-            <a:r>
-              <a:rPr lang="en-US" sz="7200" dirty="0"/>
-              <a:t>server:</a:t>
-            </a:r>
-          </a:p>
-          <a:p>
-            <a:pPr marL="0" indent="0">
-              <a:buNone/>
-            </a:pPr>
-            <a:r>
-              <a:rPr lang="en-US" sz="7200" dirty="0"/>
-              <a:t>    address: 192.168.1.120</a:t>
-            </a:r>
+            <a:endParaRPr lang="en-US" dirty="0"/>
+          </a:p>
+        </p:txBody>
+      </p:sp>
+      <p:sp>
+        <p:nvSpPr>
+          <p:cNvPr id="6" name="Rectangle 5"/>
+          <p:cNvSpPr/>
+          <p:nvPr/>
+        </p:nvSpPr>
+        <p:spPr>
+          <a:xfrm>
+            <a:off x="3048000" y="1028343"/>
+            <a:ext cx="6096000" cy="646331"/>
+          </a:xfrm>
+          <a:prstGeom prst="rect">
+            <a:avLst/>
+          </a:prstGeom>
+        </p:spPr>
+        <p:txBody>
+          <a:bodyPr>
+            <a:spAutoFit/>
+          </a:bodyPr>
+          <a:lstStyle/>
+          <a:p>
+            <a:endParaRPr lang="en-US" dirty="0"/>
+          </a:p>
+          <a:p>
+            <a:endParaRPr lang="en-US" dirty="0"/>
           </a:p>
         </p:txBody>
       </p:sp>
     </p:spTree>
     <p:extLst>
       <p:ext uri="{BB962C8B-B14F-4D97-AF65-F5344CB8AC3E}">
-        <p14:creationId xmlns:p14="http://schemas.microsoft.com/office/powerpoint/2010/main" val="1509245973"/>
+        <p14:creationId xmlns:p14="http://schemas.microsoft.com/office/powerpoint/2010/main" val="88112552"/>
       </p:ext>
     </p:extLst>
   </p:cSld>
@@ -13582,24 +13546,15 @@
             <p:ph type="title"/>
           </p:nvPr>
         </p:nvSpPr>
-        <p:spPr>
-          <a:xfrm>
-            <a:off x="1333084" y="1044920"/>
-            <a:ext cx="8761413" cy="706964"/>
-          </a:xfrm>
-        </p:spPr>
+        <p:spPr/>
         <p:txBody>
           <a:bodyPr/>
           <a:lstStyle/>
           <a:p>
             <a:r>
               <a:rPr lang="en-US" dirty="0"/>
-              <a:t>global.properties</a:t>
-            </a:r>
-            <a:br>
-              <a:rPr lang="en-US" dirty="0"/>
-            </a:br>
-            <a:endParaRPr lang="en-US" dirty="0"/>
+              <a:t>application-p1.properties</a:t>
+            </a:r>
           </a:p>
         </p:txBody>
       </p:sp>
@@ -13613,12 +13568,7 @@
             <p:ph idx="1"/>
           </p:nvPr>
         </p:nvSpPr>
-        <p:spPr>
-          <a:xfrm>
-            <a:off x="1300960" y="3031011"/>
-            <a:ext cx="8825659" cy="3416300"/>
-          </a:xfrm>
-        </p:spPr>
+        <p:spPr/>
         <p:txBody>
           <a:bodyPr/>
           <a:lstStyle/>
@@ -13628,30 +13578,36 @@
             </a:pPr>
             <a:r>
               <a:rPr lang="en-US" dirty="0" smtClean="0"/>
-              <a:t>email=test@mkyong.com</a:t>
+              <a:t># </a:t>
+            </a:r>
+            <a:r>
+              <a:rPr lang="en-US" dirty="0"/>
+              <a:t>This is the file with p1 properties</a:t>
             </a:r>
           </a:p>
           <a:p>
             <a:pPr marL="0" indent="0">
               <a:buNone/>
             </a:pPr>
+            <a:r>
+              <a:rPr lang="en-US" dirty="0"/>
+              <a:t>property1= </a:t>
+            </a:r>
+            <a:r>
+              <a:rPr lang="en-US" dirty="0" smtClean="0"/>
+              <a:t>xyz</a:t>
+            </a:r>
             <a:endParaRPr lang="en-US" dirty="0"/>
           </a:p>
           <a:p>
-            <a:pPr marL="0" indent="0">
-              <a:buNone/>
-            </a:pPr>
-            <a:r>
-              <a:rPr lang="en-US" dirty="0"/>
-              <a:t>thread-pool=12</a:t>
-            </a:r>
+            <a:endParaRPr lang="en-US" dirty="0"/>
           </a:p>
         </p:txBody>
       </p:sp>
     </p:spTree>
     <p:extLst>
       <p:ext uri="{BB962C8B-B14F-4D97-AF65-F5344CB8AC3E}">
-        <p14:creationId xmlns:p14="http://schemas.microsoft.com/office/powerpoint/2010/main" val="591302889"/>
+        <p14:creationId xmlns:p14="http://schemas.microsoft.com/office/powerpoint/2010/main" val="3042743450"/>
       </p:ext>
     </p:extLst>
   </p:cSld>
@@ -13694,10 +13650,9 @@
           <a:lstStyle/>
           <a:p>
             <a:r>
-              <a:rPr lang="en-US" dirty="0" smtClean="0"/>
-              <a:t>Using @ConfigurationProperties</a:t>
-            </a:r>
-            <a:endParaRPr lang="en-US" dirty="0"/>
+              <a:rPr lang="en-US" dirty="0"/>
+              <a:t>application-p2.properties</a:t>
+            </a:r>
           </a:p>
         </p:txBody>
       </p:sp>
@@ -13711,136 +13666,41 @@
             <p:ph idx="1"/>
           </p:nvPr>
         </p:nvSpPr>
-        <p:spPr>
-          <a:xfrm>
-            <a:off x="679941" y="2330367"/>
-            <a:ext cx="8825659" cy="3416300"/>
-          </a:xfrm>
-        </p:spPr>
+        <p:spPr/>
         <p:txBody>
-          <a:bodyPr>
-            <a:noAutofit/>
-          </a:bodyPr>
+          <a:bodyPr/>
           <a:lstStyle/>
           <a:p>
             <a:pPr marL="0" indent="0">
               <a:buNone/>
             </a:pPr>
             <a:r>
-              <a:rPr lang="en-US" sz="1600" dirty="0"/>
-              <a:t>import org.springframework.boot.context.properties.ConfigurationProperties;</a:t>
-            </a:r>
-          </a:p>
-          <a:p>
-            <a:endParaRPr lang="en-US" sz="1600" dirty="0"/>
+              <a:rPr lang="en-US" dirty="0" smtClean="0"/>
+              <a:t># </a:t>
+            </a:r>
+            <a:r>
+              <a:rPr lang="en-US" dirty="0"/>
+              <a:t>This is the file with p2 properties</a:t>
+            </a:r>
           </a:p>
           <a:p>
             <a:pPr marL="0" indent="0">
               <a:buNone/>
             </a:pPr>
             <a:r>
-              <a:rPr lang="en-US" sz="1600" dirty="0"/>
-              <a:t>@Component</a:t>
-            </a:r>
-          </a:p>
-          <a:p>
-            <a:pPr marL="0" indent="0">
-              <a:buNone/>
-            </a:pPr>
-            <a:r>
-              <a:rPr lang="en-US" sz="1600" dirty="0"/>
-              <a:t>@PropertySource("classpath:global.properties")</a:t>
-            </a:r>
-          </a:p>
-          <a:p>
-            <a:pPr marL="0" indent="0">
-              <a:buNone/>
-            </a:pPr>
-            <a:r>
-              <a:rPr lang="en-US" sz="1600" dirty="0"/>
-              <a:t>@ConfigurationProperties</a:t>
-            </a:r>
-          </a:p>
-          <a:p>
-            <a:pPr marL="0" indent="0">
-              <a:buNone/>
-            </a:pPr>
-            <a:r>
-              <a:rPr lang="en-US" sz="1600" dirty="0"/>
-              <a:t>public class GlobalProperties {</a:t>
-            </a:r>
-          </a:p>
-          <a:p>
-            <a:endParaRPr lang="en-US" sz="1600" dirty="0"/>
-          </a:p>
-          <a:p>
-            <a:pPr marL="0" indent="0">
-              <a:buNone/>
-            </a:pPr>
-            <a:r>
-              <a:rPr lang="en-US" sz="1600" dirty="0"/>
-              <a:t>   </a:t>
-            </a:r>
-            <a:r>
-              <a:rPr lang="en-US" sz="1600" dirty="0" smtClean="0"/>
-              <a:t>private </a:t>
-            </a:r>
-            <a:r>
-              <a:rPr lang="en-US" sz="1600" dirty="0"/>
-              <a:t>int threadPool;</a:t>
-            </a:r>
-          </a:p>
-          <a:p>
-            <a:pPr marL="0" indent="0">
-              <a:buNone/>
-            </a:pPr>
-            <a:r>
-              <a:rPr lang="en-US" sz="1600" dirty="0"/>
-              <a:t>   </a:t>
-            </a:r>
-            <a:r>
-              <a:rPr lang="en-US" sz="1600" dirty="0" smtClean="0"/>
-              <a:t>private </a:t>
-            </a:r>
-            <a:r>
-              <a:rPr lang="en-US" sz="1600" dirty="0"/>
-              <a:t>String email</a:t>
-            </a:r>
-            <a:r>
-              <a:rPr lang="en-US" sz="1600" dirty="0" smtClean="0"/>
-              <a:t>;</a:t>
-            </a:r>
-            <a:endParaRPr lang="en-US" sz="1600" dirty="0"/>
-          </a:p>
-          <a:p>
-            <a:pPr marL="0" indent="0">
-              <a:buNone/>
-            </a:pPr>
-            <a:r>
-              <a:rPr lang="en-US" sz="1600" dirty="0"/>
-              <a:t>    //getters and </a:t>
-            </a:r>
-            <a:r>
-              <a:rPr lang="en-US" sz="1600" dirty="0" smtClean="0"/>
-              <a:t>setters</a:t>
-            </a:r>
-          </a:p>
-          <a:p>
-            <a:pPr marL="0" indent="0">
-              <a:buNone/>
-            </a:pPr>
-            <a:r>
-              <a:rPr lang="en-US" sz="1600" dirty="0" smtClean="0"/>
-              <a:t>}</a:t>
-            </a:r>
-            <a:endParaRPr lang="en-US" sz="1600" dirty="0"/>
+              <a:rPr lang="en-US" dirty="0"/>
+              <a:t>property2=catsup</a:t>
+            </a:r>
+          </a:p>
+          <a:p>
+            <a:endParaRPr lang="en-US" dirty="0"/>
           </a:p>
         </p:txBody>
       </p:sp>
     </p:spTree>
     <p:extLst>
       <p:ext uri="{BB962C8B-B14F-4D97-AF65-F5344CB8AC3E}">
-        <p14:creationId xmlns:p14="http://schemas.microsoft.com/office/powerpoint/2010/main" val="1906646881"/>
+        <p14:creationId xmlns:p14="http://schemas.microsoft.com/office/powerpoint/2010/main" val="3082803834"/>
       </p:ext>
     </p:extLst>
   </p:cSld>
@@ -13883,10 +13743,9 @@
           <a:lstStyle/>
           <a:p>
             <a:r>
-              <a:rPr lang="en-US" dirty="0" smtClean="0"/>
-              <a:t>Using @Value</a:t>
-            </a:r>
-            <a:endParaRPr lang="en-US" dirty="0"/>
+              <a:rPr lang="en-US" dirty="0"/>
+              <a:t>application-p3.properties</a:t>
+            </a:r>
           </a:p>
         </p:txBody>
       </p:sp>
@@ -13902,17 +13761,19 @@
         </p:nvSpPr>
         <p:spPr/>
         <p:txBody>
-          <a:bodyPr>
-            <a:noAutofit/>
-          </a:bodyPr>
+          <a:bodyPr/>
           <a:lstStyle/>
           <a:p>
             <a:pPr marL="0" indent="0">
               <a:buNone/>
             </a:pPr>
             <a:r>
-              <a:rPr lang="en-US" sz="1600" dirty="0"/>
-              <a:t>@Component</a:t>
+              <a:rPr lang="en-US" dirty="0" smtClean="0"/>
+              <a:t># </a:t>
+            </a:r>
+            <a:r>
+              <a:rPr lang="en-US" dirty="0"/>
+              <a:t>This is the file with p3 properties</a:t>
             </a:r>
           </a:p>
           <a:p>
@@ -13920,90 +13781,19 @@
               <a:buNone/>
             </a:pPr>
             <a:r>
-              <a:rPr lang="en-US" sz="1600" dirty="0"/>
-              <a:t>@PropertySource("classpath:global.properties</a:t>
-            </a:r>
-            <a:r>
-              <a:rPr lang="en-US" sz="1600" dirty="0" smtClean="0"/>
-              <a:t>")</a:t>
-            </a:r>
-            <a:endParaRPr lang="en-US" sz="1600" dirty="0"/>
-          </a:p>
-          <a:p>
-            <a:pPr marL="0" indent="0">
-              <a:buNone/>
-            </a:pPr>
-            <a:r>
-              <a:rPr lang="en-US" sz="1600" dirty="0"/>
-              <a:t>    @Value("${thread-pool}")</a:t>
-            </a:r>
-          </a:p>
-          <a:p>
-            <a:pPr marL="0" indent="0">
-              <a:buNone/>
-            </a:pPr>
-            <a:r>
-              <a:rPr lang="en-US" sz="1600" dirty="0"/>
-              <a:t>    private int threadPool;</a:t>
-            </a:r>
-          </a:p>
-          <a:p>
-            <a:endParaRPr lang="en-US" sz="1600" dirty="0"/>
-          </a:p>
-          <a:p>
-            <a:pPr marL="0" indent="0">
-              <a:buNone/>
-            </a:pPr>
-            <a:r>
-              <a:rPr lang="en-US" sz="1600" dirty="0"/>
-              <a:t>    @Value("${email}")</a:t>
-            </a:r>
-          </a:p>
-          <a:p>
-            <a:pPr marL="0" indent="0">
-              <a:buNone/>
-            </a:pPr>
-            <a:r>
-              <a:rPr lang="en-US" sz="1600" dirty="0"/>
-              <a:t>    private String email;</a:t>
-            </a:r>
-          </a:p>
-          <a:p>
-            <a:pPr marL="0" indent="0">
-              <a:buNone/>
-            </a:pPr>
-            <a:r>
-              <a:rPr lang="en-US" sz="1600" dirty="0"/>
-              <a:t>    </a:t>
-            </a:r>
-          </a:p>
-          <a:p>
-            <a:pPr marL="0" indent="0">
-              <a:buNone/>
-            </a:pPr>
-            <a:r>
-              <a:rPr lang="en-US" sz="1600" dirty="0"/>
-              <a:t>    //getters and setters</a:t>
-            </a:r>
-          </a:p>
-          <a:p>
-            <a:endParaRPr lang="en-US" sz="1600" dirty="0"/>
-          </a:p>
-          <a:p>
-            <a:pPr marL="0" indent="0">
-              <a:buNone/>
-            </a:pPr>
-            <a:r>
-              <a:rPr lang="en-US" sz="1600" dirty="0"/>
-              <a:t>}</a:t>
-            </a:r>
+              <a:rPr lang="en-US" dirty="0"/>
+              <a:t>property3= helloworld</a:t>
+            </a:r>
+          </a:p>
+          <a:p>
+            <a:endParaRPr lang="en-US" dirty="0"/>
           </a:p>
         </p:txBody>
       </p:sp>
     </p:spTree>
     <p:extLst>
       <p:ext uri="{BB962C8B-B14F-4D97-AF65-F5344CB8AC3E}">
-        <p14:creationId xmlns:p14="http://schemas.microsoft.com/office/powerpoint/2010/main" val="3646670239"/>
+        <p14:creationId xmlns:p14="http://schemas.microsoft.com/office/powerpoint/2010/main" val="906986185"/>
       </p:ext>
     </p:extLst>
   </p:cSld>
@@ -14040,19 +13830,23 @@
             <p:ph type="title"/>
           </p:nvPr>
         </p:nvSpPr>
-        <p:spPr/>
+        <p:spPr>
+          <a:xfrm>
+            <a:off x="1219200" y="1258676"/>
+            <a:ext cx="8761413" cy="706964"/>
+          </a:xfrm>
+        </p:spPr>
         <p:txBody>
           <a:bodyPr/>
           <a:lstStyle/>
           <a:p>
             <a:r>
               <a:rPr lang="en-US" dirty="0"/>
-              <a:t>a</a:t>
-            </a:r>
-            <a:r>
-              <a:rPr lang="en-US" dirty="0" smtClean="0"/>
-              <a:t>pplication.properties</a:t>
-            </a:r>
+              <a:t>spring treats it like.. </a:t>
+            </a:r>
+            <a:br>
+              <a:rPr lang="en-US" dirty="0"/>
+            </a:br>
             <a:endParaRPr lang="en-US" dirty="0"/>
           </a:p>
         </p:txBody>
@@ -14067,19 +13861,28 @@
             <p:ph idx="1"/>
           </p:nvPr>
         </p:nvSpPr>
-        <p:spPr>
-          <a:xfrm>
-            <a:off x="1122830" y="3031011"/>
-            <a:ext cx="8825659" cy="3416300"/>
-          </a:xfrm>
-        </p:spPr>
+        <p:spPr/>
         <p:txBody>
           <a:bodyPr/>
           <a:lstStyle/>
           <a:p>
+            <a:endParaRPr lang="en-US" dirty="0"/>
+          </a:p>
+          <a:p>
+            <a:pPr marL="0" indent="0">
+              <a:buNone/>
+            </a:pPr>
+            <a:r>
+              <a:rPr lang="en-US" dirty="0"/>
+              <a:t>application.properties </a:t>
+            </a:r>
             <a:r>
               <a:rPr lang="en-US" dirty="0" smtClean="0"/>
-              <a:t>Will be searched for in:</a:t>
+              <a:t>                       # </a:t>
+            </a:r>
+            <a:r>
+              <a:rPr lang="en-US" dirty="0"/>
+              <a:t>This is the main file</a:t>
             </a:r>
           </a:p>
           <a:p>
@@ -14087,16 +13890,8 @@
               <a:buNone/>
             </a:pPr>
             <a:r>
-              <a:rPr lang="en-US" dirty="0" smtClean="0"/>
-              <a:t>1- /config subdirectory of current directory</a:t>
-            </a:r>
-            <a:r>
               <a:rPr lang="en-US" dirty="0"/>
-              <a:t> where the application is running</a:t>
-            </a:r>
-            <a:r>
-              <a:rPr lang="en-US" dirty="0" smtClean="0"/>
-              <a:t> externally.</a:t>
+              <a:t>spring.profiles=p1,p2,p3</a:t>
             </a:r>
           </a:p>
           <a:p>
@@ -14104,8 +13899,8 @@
               <a:buNone/>
             </a:pPr>
             <a:r>
-              <a:rPr lang="en-US" dirty="0" smtClean="0"/>
-              <a:t>2- current directory where the application is running.</a:t>
+              <a:rPr lang="en-US" dirty="0"/>
+              <a:t>prop-main=hi</a:t>
             </a:r>
           </a:p>
           <a:p>
@@ -14113,8 +13908,8 @@
               <a:buNone/>
             </a:pPr>
             <a:r>
-              <a:rPr lang="en-US" dirty="0" smtClean="0"/>
-              <a:t>3-classpath/config package internally.</a:t>
+              <a:rPr lang="en-US" dirty="0"/>
+              <a:t>property1=patata</a:t>
             </a:r>
           </a:p>
           <a:p>
@@ -14122,9 +13917,20 @@
               <a:buNone/>
             </a:pPr>
             <a:r>
-              <a:rPr lang="en-US" dirty="0" smtClean="0"/>
-              <a:t>4-classpath root, internally.</a:t>
-            </a:r>
+              <a:rPr lang="en-US" dirty="0"/>
+              <a:t>property2=catsup</a:t>
+            </a:r>
+          </a:p>
+          <a:p>
+            <a:pPr marL="0" indent="0">
+              <a:buNone/>
+            </a:pPr>
+            <a:r>
+              <a:rPr lang="en-US" dirty="0"/>
+              <a:t>property3=helloworld</a:t>
+            </a:r>
+          </a:p>
+          <a:p>
             <a:endParaRPr lang="en-US" dirty="0"/>
           </a:p>
         </p:txBody>
@@ -14132,7 +13938,7 @@
     </p:spTree>
     <p:extLst>
       <p:ext uri="{BB962C8B-B14F-4D97-AF65-F5344CB8AC3E}">
-        <p14:creationId xmlns:p14="http://schemas.microsoft.com/office/powerpoint/2010/main" val="1980835932"/>
+        <p14:creationId xmlns:p14="http://schemas.microsoft.com/office/powerpoint/2010/main" val="483998236"/>
       </p:ext>
     </p:extLst>
   </p:cSld>
@@ -14169,6 +13975,666 @@
             <p:ph type="title"/>
           </p:nvPr>
         </p:nvSpPr>
+        <p:spPr>
+          <a:xfrm>
+            <a:off x="1219200" y="1128048"/>
+            <a:ext cx="8761413" cy="706964"/>
+          </a:xfrm>
+        </p:spPr>
+        <p:txBody>
+          <a:bodyPr/>
+          <a:lstStyle/>
+          <a:p>
+            <a:r>
+              <a:rPr lang="en-US" dirty="0" smtClean="0"/>
+              <a:t>yaml</a:t>
+            </a:r>
+            <a:r>
+              <a:rPr lang="en-US" dirty="0"/>
+              <a:t/>
+            </a:r>
+            <a:br>
+              <a:rPr lang="en-US" dirty="0"/>
+            </a:br>
+            <a:endParaRPr lang="en-US" dirty="0"/>
+          </a:p>
+        </p:txBody>
+      </p:sp>
+      <p:sp>
+        <p:nvSpPr>
+          <p:cNvPr id="3" name="Content Placeholder 2"/>
+          <p:cNvSpPr>
+            <a:spLocks noGrp="1"/>
+          </p:cNvSpPr>
+          <p:nvPr>
+            <p:ph idx="1"/>
+          </p:nvPr>
+        </p:nvSpPr>
+        <p:spPr>
+          <a:xfrm>
+            <a:off x="1219200" y="2080985"/>
+            <a:ext cx="8825659" cy="3416300"/>
+          </a:xfrm>
+        </p:spPr>
+        <p:txBody>
+          <a:bodyPr>
+            <a:normAutofit fontScale="25000" lnSpcReduction="20000"/>
+          </a:bodyPr>
+          <a:lstStyle/>
+          <a:p>
+            <a:endParaRPr lang="en-US" dirty="0"/>
+          </a:p>
+          <a:p>
+            <a:endParaRPr lang="en-US" dirty="0"/>
+          </a:p>
+          <a:p>
+            <a:pPr marL="0" indent="0">
+              <a:buNone/>
+            </a:pPr>
+            <a:r>
+              <a:rPr lang="en-US" sz="7200" dirty="0"/>
+              <a:t>server:</a:t>
+            </a:r>
+          </a:p>
+          <a:p>
+            <a:pPr marL="0" indent="0">
+              <a:buNone/>
+            </a:pPr>
+            <a:r>
+              <a:rPr lang="en-US" sz="7200" dirty="0"/>
+              <a:t>    address: 192.168.1.100</a:t>
+            </a:r>
+          </a:p>
+          <a:p>
+            <a:pPr marL="0" indent="0">
+              <a:buNone/>
+            </a:pPr>
+            <a:r>
+              <a:rPr lang="en-US" sz="7200" dirty="0"/>
+              <a:t>---</a:t>
+            </a:r>
+          </a:p>
+          <a:p>
+            <a:pPr marL="0" indent="0">
+              <a:buNone/>
+            </a:pPr>
+            <a:r>
+              <a:rPr lang="en-US" sz="7200" dirty="0"/>
+              <a:t>spring:</a:t>
+            </a:r>
+          </a:p>
+          <a:p>
+            <a:pPr marL="0" indent="0">
+              <a:buNone/>
+            </a:pPr>
+            <a:r>
+              <a:rPr lang="en-US" sz="7200" dirty="0"/>
+              <a:t>    profiles: development</a:t>
+            </a:r>
+          </a:p>
+          <a:p>
+            <a:pPr marL="0" indent="0">
+              <a:buNone/>
+            </a:pPr>
+            <a:r>
+              <a:rPr lang="en-US" sz="7200" dirty="0"/>
+              <a:t>server:</a:t>
+            </a:r>
+          </a:p>
+          <a:p>
+            <a:pPr marL="0" indent="0">
+              <a:buNone/>
+            </a:pPr>
+            <a:r>
+              <a:rPr lang="en-US" sz="7200" dirty="0"/>
+              <a:t>    address: 127.0.0.1</a:t>
+            </a:r>
+          </a:p>
+          <a:p>
+            <a:pPr marL="0" indent="0">
+              <a:buNone/>
+            </a:pPr>
+            <a:r>
+              <a:rPr lang="en-US" sz="7200" dirty="0"/>
+              <a:t>---</a:t>
+            </a:r>
+          </a:p>
+          <a:p>
+            <a:pPr marL="0" indent="0">
+              <a:buNone/>
+            </a:pPr>
+            <a:r>
+              <a:rPr lang="en-US" sz="7200" dirty="0"/>
+              <a:t>spring:</a:t>
+            </a:r>
+          </a:p>
+          <a:p>
+            <a:pPr marL="0" indent="0">
+              <a:buNone/>
+            </a:pPr>
+            <a:r>
+              <a:rPr lang="en-US" sz="7200" dirty="0"/>
+              <a:t>    profiles: production</a:t>
+            </a:r>
+          </a:p>
+          <a:p>
+            <a:pPr marL="0" indent="0">
+              <a:buNone/>
+            </a:pPr>
+            <a:r>
+              <a:rPr lang="en-US" sz="7200" dirty="0"/>
+              <a:t>server:</a:t>
+            </a:r>
+          </a:p>
+          <a:p>
+            <a:pPr marL="0" indent="0">
+              <a:buNone/>
+            </a:pPr>
+            <a:r>
+              <a:rPr lang="en-US" sz="7200" dirty="0"/>
+              <a:t>    address: 192.168.1.120</a:t>
+            </a:r>
+          </a:p>
+        </p:txBody>
+      </p:sp>
+    </p:spTree>
+    <p:extLst>
+      <p:ext uri="{BB962C8B-B14F-4D97-AF65-F5344CB8AC3E}">
+        <p14:creationId xmlns:p14="http://schemas.microsoft.com/office/powerpoint/2010/main" val="1509245973"/>
+      </p:ext>
+    </p:extLst>
+  </p:cSld>
+  <p:clrMapOvr>
+    <a:masterClrMapping/>
+  </p:clrMapOvr>
+</p:sld>
+</file>
+
+<file path=ppt/slides/slide16.xml><?xml version="1.0" encoding="utf-8"?>
+<p:sld xmlns:a="http://schemas.openxmlformats.org/drawingml/2006/main" xmlns:r="http://schemas.openxmlformats.org/officeDocument/2006/relationships" xmlns:p="http://schemas.openxmlformats.org/presentationml/2006/main">
+  <p:cSld>
+    <p:spTree>
+      <p:nvGrpSpPr>
+        <p:cNvPr id="1" name=""/>
+        <p:cNvGrpSpPr/>
+        <p:nvPr/>
+      </p:nvGrpSpPr>
+      <p:grpSpPr>
+        <a:xfrm>
+          <a:off x="0" y="0"/>
+          <a:ext cx="0" cy="0"/>
+          <a:chOff x="0" y="0"/>
+          <a:chExt cx="0" cy="0"/>
+        </a:xfrm>
+      </p:grpSpPr>
+      <p:sp>
+        <p:nvSpPr>
+          <p:cNvPr id="2" name="Title 1"/>
+          <p:cNvSpPr>
+            <a:spLocks noGrp="1"/>
+          </p:cNvSpPr>
+          <p:nvPr>
+            <p:ph type="title"/>
+          </p:nvPr>
+        </p:nvSpPr>
+        <p:spPr>
+          <a:xfrm>
+            <a:off x="1333084" y="1044920"/>
+            <a:ext cx="8761413" cy="706964"/>
+          </a:xfrm>
+        </p:spPr>
+        <p:txBody>
+          <a:bodyPr/>
+          <a:lstStyle/>
+          <a:p>
+            <a:r>
+              <a:rPr lang="en-US" dirty="0"/>
+              <a:t>global.properties</a:t>
+            </a:r>
+            <a:br>
+              <a:rPr lang="en-US" dirty="0"/>
+            </a:br>
+            <a:endParaRPr lang="en-US" dirty="0"/>
+          </a:p>
+        </p:txBody>
+      </p:sp>
+      <p:sp>
+        <p:nvSpPr>
+          <p:cNvPr id="3" name="Content Placeholder 2"/>
+          <p:cNvSpPr>
+            <a:spLocks noGrp="1"/>
+          </p:cNvSpPr>
+          <p:nvPr>
+            <p:ph idx="1"/>
+          </p:nvPr>
+        </p:nvSpPr>
+        <p:spPr>
+          <a:xfrm>
+            <a:off x="1300960" y="3031011"/>
+            <a:ext cx="8825659" cy="3416300"/>
+          </a:xfrm>
+        </p:spPr>
+        <p:txBody>
+          <a:bodyPr/>
+          <a:lstStyle/>
+          <a:p>
+            <a:pPr marL="0" indent="0">
+              <a:buNone/>
+            </a:pPr>
+            <a:r>
+              <a:rPr lang="en-US" dirty="0" smtClean="0"/>
+              <a:t>email=test@mkyong.com</a:t>
+            </a:r>
+          </a:p>
+          <a:p>
+            <a:pPr marL="0" indent="0">
+              <a:buNone/>
+            </a:pPr>
+            <a:endParaRPr lang="en-US" dirty="0"/>
+          </a:p>
+          <a:p>
+            <a:pPr marL="0" indent="0">
+              <a:buNone/>
+            </a:pPr>
+            <a:r>
+              <a:rPr lang="en-US" dirty="0"/>
+              <a:t>thread-pool=12</a:t>
+            </a:r>
+          </a:p>
+        </p:txBody>
+      </p:sp>
+    </p:spTree>
+    <p:extLst>
+      <p:ext uri="{BB962C8B-B14F-4D97-AF65-F5344CB8AC3E}">
+        <p14:creationId xmlns:p14="http://schemas.microsoft.com/office/powerpoint/2010/main" val="591302889"/>
+      </p:ext>
+    </p:extLst>
+  </p:cSld>
+  <p:clrMapOvr>
+    <a:masterClrMapping/>
+  </p:clrMapOvr>
+</p:sld>
+</file>
+
+<file path=ppt/slides/slide17.xml><?xml version="1.0" encoding="utf-8"?>
+<p:sld xmlns:a="http://schemas.openxmlformats.org/drawingml/2006/main" xmlns:r="http://schemas.openxmlformats.org/officeDocument/2006/relationships" xmlns:p="http://schemas.openxmlformats.org/presentationml/2006/main">
+  <p:cSld>
+    <p:spTree>
+      <p:nvGrpSpPr>
+        <p:cNvPr id="1" name=""/>
+        <p:cNvGrpSpPr/>
+        <p:nvPr/>
+      </p:nvGrpSpPr>
+      <p:grpSpPr>
+        <a:xfrm>
+          <a:off x="0" y="0"/>
+          <a:ext cx="0" cy="0"/>
+          <a:chOff x="0" y="0"/>
+          <a:chExt cx="0" cy="0"/>
+        </a:xfrm>
+      </p:grpSpPr>
+      <p:sp>
+        <p:nvSpPr>
+          <p:cNvPr id="2" name="Title 1"/>
+          <p:cNvSpPr>
+            <a:spLocks noGrp="1"/>
+          </p:cNvSpPr>
+          <p:nvPr>
+            <p:ph type="title"/>
+          </p:nvPr>
+        </p:nvSpPr>
+        <p:spPr/>
+        <p:txBody>
+          <a:bodyPr/>
+          <a:lstStyle/>
+          <a:p>
+            <a:r>
+              <a:rPr lang="en-US" dirty="0" smtClean="0"/>
+              <a:t>Using @ConfigurationProperties</a:t>
+            </a:r>
+            <a:endParaRPr lang="en-US" dirty="0"/>
+          </a:p>
+        </p:txBody>
+      </p:sp>
+      <p:sp>
+        <p:nvSpPr>
+          <p:cNvPr id="3" name="Content Placeholder 2"/>
+          <p:cNvSpPr>
+            <a:spLocks noGrp="1"/>
+          </p:cNvSpPr>
+          <p:nvPr>
+            <p:ph idx="1"/>
+          </p:nvPr>
+        </p:nvSpPr>
+        <p:spPr>
+          <a:xfrm>
+            <a:off x="679941" y="2330367"/>
+            <a:ext cx="8825659" cy="3416300"/>
+          </a:xfrm>
+        </p:spPr>
+        <p:txBody>
+          <a:bodyPr>
+            <a:noAutofit/>
+          </a:bodyPr>
+          <a:lstStyle/>
+          <a:p>
+            <a:pPr marL="0" indent="0">
+              <a:buNone/>
+            </a:pPr>
+            <a:r>
+              <a:rPr lang="en-US" sz="1600" dirty="0"/>
+              <a:t>import org.springframework.boot.context.properties.ConfigurationProperties;</a:t>
+            </a:r>
+          </a:p>
+          <a:p>
+            <a:endParaRPr lang="en-US" sz="1600" dirty="0"/>
+          </a:p>
+          <a:p>
+            <a:pPr marL="0" indent="0">
+              <a:buNone/>
+            </a:pPr>
+            <a:r>
+              <a:rPr lang="en-US" sz="1600" dirty="0"/>
+              <a:t>@Component</a:t>
+            </a:r>
+          </a:p>
+          <a:p>
+            <a:pPr marL="0" indent="0">
+              <a:buNone/>
+            </a:pPr>
+            <a:r>
+              <a:rPr lang="en-US" sz="1600" dirty="0"/>
+              <a:t>@PropertySource("classpath:global.properties")</a:t>
+            </a:r>
+          </a:p>
+          <a:p>
+            <a:pPr marL="0" indent="0">
+              <a:buNone/>
+            </a:pPr>
+            <a:r>
+              <a:rPr lang="en-US" sz="1600" dirty="0"/>
+              <a:t>@ConfigurationProperties</a:t>
+            </a:r>
+          </a:p>
+          <a:p>
+            <a:pPr marL="0" indent="0">
+              <a:buNone/>
+            </a:pPr>
+            <a:r>
+              <a:rPr lang="en-US" sz="1600" dirty="0"/>
+              <a:t>public class GlobalProperties {</a:t>
+            </a:r>
+          </a:p>
+          <a:p>
+            <a:endParaRPr lang="en-US" sz="1600" dirty="0"/>
+          </a:p>
+          <a:p>
+            <a:pPr marL="0" indent="0">
+              <a:buNone/>
+            </a:pPr>
+            <a:r>
+              <a:rPr lang="en-US" sz="1600" dirty="0"/>
+              <a:t>   </a:t>
+            </a:r>
+            <a:r>
+              <a:rPr lang="en-US" sz="1600" dirty="0" smtClean="0"/>
+              <a:t>private </a:t>
+            </a:r>
+            <a:r>
+              <a:rPr lang="en-US" sz="1600" dirty="0"/>
+              <a:t>int threadPool;</a:t>
+            </a:r>
+          </a:p>
+          <a:p>
+            <a:pPr marL="0" indent="0">
+              <a:buNone/>
+            </a:pPr>
+            <a:r>
+              <a:rPr lang="en-US" sz="1600" dirty="0"/>
+              <a:t>   </a:t>
+            </a:r>
+            <a:r>
+              <a:rPr lang="en-US" sz="1600" dirty="0" smtClean="0"/>
+              <a:t>private </a:t>
+            </a:r>
+            <a:r>
+              <a:rPr lang="en-US" sz="1600" dirty="0"/>
+              <a:t>String email</a:t>
+            </a:r>
+            <a:r>
+              <a:rPr lang="en-US" sz="1600" dirty="0" smtClean="0"/>
+              <a:t>;</a:t>
+            </a:r>
+            <a:endParaRPr lang="en-US" sz="1600" dirty="0"/>
+          </a:p>
+          <a:p>
+            <a:pPr marL="0" indent="0">
+              <a:buNone/>
+            </a:pPr>
+            <a:r>
+              <a:rPr lang="en-US" sz="1600" dirty="0"/>
+              <a:t>    //getters and </a:t>
+            </a:r>
+            <a:r>
+              <a:rPr lang="en-US" sz="1600" dirty="0" smtClean="0"/>
+              <a:t>setters</a:t>
+            </a:r>
+          </a:p>
+          <a:p>
+            <a:pPr marL="0" indent="0">
+              <a:buNone/>
+            </a:pPr>
+            <a:r>
+              <a:rPr lang="en-US" sz="1600" dirty="0" smtClean="0"/>
+              <a:t>}</a:t>
+            </a:r>
+            <a:endParaRPr lang="en-US" sz="1600" dirty="0"/>
+          </a:p>
+        </p:txBody>
+      </p:sp>
+    </p:spTree>
+    <p:extLst>
+      <p:ext uri="{BB962C8B-B14F-4D97-AF65-F5344CB8AC3E}">
+        <p14:creationId xmlns:p14="http://schemas.microsoft.com/office/powerpoint/2010/main" val="1906646881"/>
+      </p:ext>
+    </p:extLst>
+  </p:cSld>
+  <p:clrMapOvr>
+    <a:masterClrMapping/>
+  </p:clrMapOvr>
+</p:sld>
+</file>
+
+<file path=ppt/slides/slide18.xml><?xml version="1.0" encoding="utf-8"?>
+<p:sld xmlns:a="http://schemas.openxmlformats.org/drawingml/2006/main" xmlns:r="http://schemas.openxmlformats.org/officeDocument/2006/relationships" xmlns:p="http://schemas.openxmlformats.org/presentationml/2006/main">
+  <p:cSld>
+    <p:spTree>
+      <p:nvGrpSpPr>
+        <p:cNvPr id="1" name=""/>
+        <p:cNvGrpSpPr/>
+        <p:nvPr/>
+      </p:nvGrpSpPr>
+      <p:grpSpPr>
+        <a:xfrm>
+          <a:off x="0" y="0"/>
+          <a:ext cx="0" cy="0"/>
+          <a:chOff x="0" y="0"/>
+          <a:chExt cx="0" cy="0"/>
+        </a:xfrm>
+      </p:grpSpPr>
+      <p:sp>
+        <p:nvSpPr>
+          <p:cNvPr id="2" name="Title 1"/>
+          <p:cNvSpPr>
+            <a:spLocks noGrp="1"/>
+          </p:cNvSpPr>
+          <p:nvPr>
+            <p:ph type="title"/>
+          </p:nvPr>
+        </p:nvSpPr>
+        <p:spPr/>
+        <p:txBody>
+          <a:bodyPr/>
+          <a:lstStyle/>
+          <a:p>
+            <a:r>
+              <a:rPr lang="en-US" dirty="0" smtClean="0"/>
+              <a:t>Using @Value</a:t>
+            </a:r>
+            <a:endParaRPr lang="en-US" dirty="0"/>
+          </a:p>
+        </p:txBody>
+      </p:sp>
+      <p:sp>
+        <p:nvSpPr>
+          <p:cNvPr id="3" name="Content Placeholder 2"/>
+          <p:cNvSpPr>
+            <a:spLocks noGrp="1"/>
+          </p:cNvSpPr>
+          <p:nvPr>
+            <p:ph idx="1"/>
+          </p:nvPr>
+        </p:nvSpPr>
+        <p:spPr/>
+        <p:txBody>
+          <a:bodyPr>
+            <a:noAutofit/>
+          </a:bodyPr>
+          <a:lstStyle/>
+          <a:p>
+            <a:pPr marL="0" indent="0">
+              <a:buNone/>
+            </a:pPr>
+            <a:r>
+              <a:rPr lang="en-US" sz="1600" dirty="0"/>
+              <a:t>@Component</a:t>
+            </a:r>
+          </a:p>
+          <a:p>
+            <a:pPr marL="0" indent="0">
+              <a:buNone/>
+            </a:pPr>
+            <a:r>
+              <a:rPr lang="en-US" sz="1600" dirty="0"/>
+              <a:t>@PropertySource("classpath:global.properties</a:t>
+            </a:r>
+            <a:r>
+              <a:rPr lang="en-US" sz="1600" dirty="0" smtClean="0"/>
+              <a:t>")</a:t>
+            </a:r>
+            <a:endParaRPr lang="en-US" sz="1600" dirty="0"/>
+          </a:p>
+          <a:p>
+            <a:pPr marL="0" indent="0">
+              <a:buNone/>
+            </a:pPr>
+            <a:r>
+              <a:rPr lang="en-US" sz="1600" dirty="0"/>
+              <a:t>    @Value("${thread-pool}")</a:t>
+            </a:r>
+          </a:p>
+          <a:p>
+            <a:pPr marL="0" indent="0">
+              <a:buNone/>
+            </a:pPr>
+            <a:r>
+              <a:rPr lang="en-US" sz="1600" dirty="0"/>
+              <a:t>    private int threadPool;</a:t>
+            </a:r>
+          </a:p>
+          <a:p>
+            <a:endParaRPr lang="en-US" sz="1600" dirty="0"/>
+          </a:p>
+          <a:p>
+            <a:pPr marL="0" indent="0">
+              <a:buNone/>
+            </a:pPr>
+            <a:r>
+              <a:rPr lang="en-US" sz="1600" dirty="0"/>
+              <a:t>    @Value("${email}")</a:t>
+            </a:r>
+          </a:p>
+          <a:p>
+            <a:pPr marL="0" indent="0">
+              <a:buNone/>
+            </a:pPr>
+            <a:r>
+              <a:rPr lang="en-US" sz="1600" dirty="0"/>
+              <a:t>    private String email;</a:t>
+            </a:r>
+          </a:p>
+          <a:p>
+            <a:pPr marL="0" indent="0">
+              <a:buNone/>
+            </a:pPr>
+            <a:r>
+              <a:rPr lang="en-US" sz="1600" dirty="0"/>
+              <a:t>    </a:t>
+            </a:r>
+          </a:p>
+          <a:p>
+            <a:pPr marL="0" indent="0">
+              <a:buNone/>
+            </a:pPr>
+            <a:r>
+              <a:rPr lang="en-US" sz="1600" dirty="0"/>
+              <a:t>    //getters and setters</a:t>
+            </a:r>
+          </a:p>
+          <a:p>
+            <a:endParaRPr lang="en-US" sz="1600" dirty="0"/>
+          </a:p>
+          <a:p>
+            <a:pPr marL="0" indent="0">
+              <a:buNone/>
+            </a:pPr>
+            <a:r>
+              <a:rPr lang="en-US" sz="1600" dirty="0"/>
+              <a:t>}</a:t>
+            </a:r>
+          </a:p>
+        </p:txBody>
+      </p:sp>
+    </p:spTree>
+    <p:extLst>
+      <p:ext uri="{BB962C8B-B14F-4D97-AF65-F5344CB8AC3E}">
+        <p14:creationId xmlns:p14="http://schemas.microsoft.com/office/powerpoint/2010/main" val="3646670239"/>
+      </p:ext>
+    </p:extLst>
+  </p:cSld>
+  <p:clrMapOvr>
+    <a:masterClrMapping/>
+  </p:clrMapOvr>
+</p:sld>
+</file>
+
+<file path=ppt/slides/slide19.xml><?xml version="1.0" encoding="utf-8"?>
+<p:sld xmlns:a="http://schemas.openxmlformats.org/drawingml/2006/main" xmlns:r="http://schemas.openxmlformats.org/officeDocument/2006/relationships" xmlns:p="http://schemas.openxmlformats.org/presentationml/2006/main">
+  <p:cSld>
+    <p:spTree>
+      <p:nvGrpSpPr>
+        <p:cNvPr id="1" name=""/>
+        <p:cNvGrpSpPr/>
+        <p:nvPr/>
+      </p:nvGrpSpPr>
+      <p:grpSpPr>
+        <a:xfrm>
+          <a:off x="0" y="0"/>
+          <a:ext cx="0" cy="0"/>
+          <a:chOff x="0" y="0"/>
+          <a:chExt cx="0" cy="0"/>
+        </a:xfrm>
+      </p:grpSpPr>
+      <p:sp>
+        <p:nvSpPr>
+          <p:cNvPr id="2" name="Title 1"/>
+          <p:cNvSpPr>
+            <a:spLocks noGrp="1"/>
+          </p:cNvSpPr>
+          <p:nvPr>
+            <p:ph type="title"/>
+          </p:nvPr>
+        </p:nvSpPr>
         <p:spPr/>
         <p:txBody>
           <a:bodyPr/>
@@ -14210,7 +14676,6 @@
               <a:rPr lang="en-US" dirty="0"/>
               <a:t>.</a:t>
             </a:r>
-            <a:endParaRPr lang="en-US" dirty="0"/>
           </a:p>
         </p:txBody>
       </p:sp>
@@ -14227,7 +14692,121 @@
 </p:sld>
 </file>
 
-<file path=ppt/slides/slide16.xml><?xml version="1.0" encoding="utf-8"?>
+<file path=ppt/slides/slide2.xml><?xml version="1.0" encoding="utf-8"?>
+<p:sld xmlns:a="http://schemas.openxmlformats.org/drawingml/2006/main" xmlns:r="http://schemas.openxmlformats.org/officeDocument/2006/relationships" xmlns:p="http://schemas.openxmlformats.org/presentationml/2006/main">
+  <p:cSld>
+    <p:spTree>
+      <p:nvGrpSpPr>
+        <p:cNvPr id="1" name=""/>
+        <p:cNvGrpSpPr/>
+        <p:nvPr/>
+      </p:nvGrpSpPr>
+      <p:grpSpPr>
+        <a:xfrm>
+          <a:off x="0" y="0"/>
+          <a:ext cx="0" cy="0"/>
+          <a:chOff x="0" y="0"/>
+          <a:chExt cx="0" cy="0"/>
+        </a:xfrm>
+      </p:grpSpPr>
+      <p:sp>
+        <p:nvSpPr>
+          <p:cNvPr id="3" name="Content Placeholder 2"/>
+          <p:cNvSpPr>
+            <a:spLocks noGrp="1"/>
+          </p:cNvSpPr>
+          <p:nvPr>
+            <p:ph idx="1"/>
+          </p:nvPr>
+        </p:nvSpPr>
+        <p:spPr/>
+        <p:txBody>
+          <a:bodyPr>
+            <a:normAutofit/>
+          </a:bodyPr>
+          <a:lstStyle/>
+          <a:p>
+            <a:r>
+              <a:rPr lang="en-US" sz="2400" dirty="0"/>
+              <a:t>Java programmers are encouraged to store all their configurable parameters in an </a:t>
+            </a:r>
+            <a:r>
+              <a:rPr lang="en-US" sz="2400" b="1" dirty="0"/>
+              <a:t>application.properties</a:t>
+            </a:r>
+            <a:r>
+              <a:rPr lang="en-US" sz="2400" dirty="0"/>
+              <a:t> </a:t>
+            </a:r>
+            <a:r>
+              <a:rPr lang="en-US" sz="2400" dirty="0" smtClean="0"/>
+              <a:t>file,</a:t>
+            </a:r>
+          </a:p>
+          <a:p>
+            <a:r>
+              <a:rPr lang="en-US" sz="2400" dirty="0" smtClean="0"/>
+              <a:t> </a:t>
+            </a:r>
+            <a:r>
+              <a:rPr lang="en-US" sz="2400" dirty="0"/>
+              <a:t>from which they either load properties during runtime or they load during program start and assign them to variables in a config file.</a:t>
+            </a:r>
+          </a:p>
+        </p:txBody>
+      </p:sp>
+      <p:sp>
+        <p:nvSpPr>
+          <p:cNvPr id="4" name="TextBox 3"/>
+          <p:cNvSpPr txBox="1"/>
+          <p:nvPr/>
+        </p:nvSpPr>
+        <p:spPr>
+          <a:xfrm>
+            <a:off x="2588821" y="985652"/>
+            <a:ext cx="3573414" cy="646331"/>
+          </a:xfrm>
+          <a:prstGeom prst="rect">
+            <a:avLst/>
+          </a:prstGeom>
+          <a:noFill/>
+        </p:spPr>
+        <p:txBody>
+          <a:bodyPr wrap="none" rtlCol="0">
+            <a:spAutoFit/>
+          </a:bodyPr>
+          <a:lstStyle/>
+          <a:p>
+            <a:r>
+              <a:rPr lang="en-US" sz="3600" dirty="0" smtClean="0">
+                <a:solidFill>
+                  <a:schemeClr val="bg1"/>
+                </a:solidFill>
+              </a:rPr>
+              <a:t>INTRODUCTION</a:t>
+            </a:r>
+            <a:endParaRPr lang="en-US" sz="3600" dirty="0">
+              <a:solidFill>
+                <a:schemeClr val="bg1"/>
+              </a:solidFill>
+            </a:endParaRPr>
+          </a:p>
+        </p:txBody>
+      </p:sp>
+    </p:spTree>
+    <p:extLst>
+      <p:ext uri="{BB962C8B-B14F-4D97-AF65-F5344CB8AC3E}">
+        <p14:creationId xmlns:p14="http://schemas.microsoft.com/office/powerpoint/2010/main" val="3579271731"/>
+      </p:ext>
+    </p:extLst>
+  </p:cSld>
+  <p:clrMapOvr>
+    <a:masterClrMapping/>
+  </p:clrMapOvr>
+</p:sld>
+</file>
+
+<file path=ppt/slides/slide20.xml><?xml version="1.0" encoding="utf-8"?>
 <p:sld xmlns:a="http://schemas.openxmlformats.org/drawingml/2006/main" xmlns:r="http://schemas.openxmlformats.org/officeDocument/2006/relationships" xmlns:p="http://schemas.openxmlformats.org/presentationml/2006/main">
   <p:cSld>
     <p:spTree>
@@ -14919,7 +15498,7 @@
 </p:sld>
 </file>
 
-<file path=ppt/slides/slide17.xml><?xml version="1.0" encoding="utf-8"?>
+<file path=ppt/slides/slide21.xml><?xml version="1.0" encoding="utf-8"?>
 <p:sld xmlns:a="http://schemas.openxmlformats.org/drawingml/2006/main" xmlns:r="http://schemas.openxmlformats.org/officeDocument/2006/relationships" xmlns:p="http://schemas.openxmlformats.org/presentationml/2006/main">
   <p:cSld>
     <p:spTree>
@@ -14979,120 +15558,6 @@
     <p:extLst>
       <p:ext uri="{BB962C8B-B14F-4D97-AF65-F5344CB8AC3E}">
         <p14:creationId xmlns:p14="http://schemas.microsoft.com/office/powerpoint/2010/main" val="3116158478"/>
-      </p:ext>
-    </p:extLst>
-  </p:cSld>
-  <p:clrMapOvr>
-    <a:masterClrMapping/>
-  </p:clrMapOvr>
-</p:sld>
-</file>
-
-<file path=ppt/slides/slide2.xml><?xml version="1.0" encoding="utf-8"?>
-<p:sld xmlns:a="http://schemas.openxmlformats.org/drawingml/2006/main" xmlns:r="http://schemas.openxmlformats.org/officeDocument/2006/relationships" xmlns:p="http://schemas.openxmlformats.org/presentationml/2006/main">
-  <p:cSld>
-    <p:spTree>
-      <p:nvGrpSpPr>
-        <p:cNvPr id="1" name=""/>
-        <p:cNvGrpSpPr/>
-        <p:nvPr/>
-      </p:nvGrpSpPr>
-      <p:grpSpPr>
-        <a:xfrm>
-          <a:off x="0" y="0"/>
-          <a:ext cx="0" cy="0"/>
-          <a:chOff x="0" y="0"/>
-          <a:chExt cx="0" cy="0"/>
-        </a:xfrm>
-      </p:grpSpPr>
-      <p:sp>
-        <p:nvSpPr>
-          <p:cNvPr id="3" name="Content Placeholder 2"/>
-          <p:cNvSpPr>
-            <a:spLocks noGrp="1"/>
-          </p:cNvSpPr>
-          <p:nvPr>
-            <p:ph idx="1"/>
-          </p:nvPr>
-        </p:nvSpPr>
-        <p:spPr/>
-        <p:txBody>
-          <a:bodyPr>
-            <a:normAutofit/>
-          </a:bodyPr>
-          <a:lstStyle/>
-          <a:p>
-            <a:r>
-              <a:rPr lang="en-US" sz="2400" dirty="0"/>
-              <a:t>Java programmers are encouraged to store all their configurable parameters in an </a:t>
-            </a:r>
-            <a:r>
-              <a:rPr lang="en-US" sz="2400" b="1" dirty="0"/>
-              <a:t>application.properties</a:t>
-            </a:r>
-            <a:r>
-              <a:rPr lang="en-US" sz="2400" dirty="0"/>
-              <a:t> </a:t>
-            </a:r>
-            <a:r>
-              <a:rPr lang="en-US" sz="2400" dirty="0" smtClean="0"/>
-              <a:t>file,</a:t>
-            </a:r>
-          </a:p>
-          <a:p>
-            <a:r>
-              <a:rPr lang="en-US" sz="2400" dirty="0" smtClean="0"/>
-              <a:t> </a:t>
-            </a:r>
-            <a:r>
-              <a:rPr lang="en-US" sz="2400" dirty="0"/>
-              <a:t>from which they either load properties during runtime or they load during program start and assign them to variables in a config file.</a:t>
-            </a:r>
-          </a:p>
-        </p:txBody>
-      </p:sp>
-      <p:sp>
-        <p:nvSpPr>
-          <p:cNvPr id="4" name="TextBox 3"/>
-          <p:cNvSpPr txBox="1"/>
-          <p:nvPr/>
-        </p:nvSpPr>
-        <p:spPr>
-          <a:xfrm>
-            <a:off x="2588821" y="985652"/>
-            <a:ext cx="3573414" cy="646331"/>
-          </a:xfrm>
-          <a:prstGeom prst="rect">
-            <a:avLst/>
-          </a:prstGeom>
-          <a:noFill/>
-        </p:spPr>
-        <p:txBody>
-          <a:bodyPr wrap="none" rtlCol="0">
-            <a:spAutoFit/>
-          </a:bodyPr>
-          <a:lstStyle/>
-          <a:p>
-            <a:r>
-              <a:rPr lang="en-US" sz="3600" dirty="0" smtClean="0">
-                <a:solidFill>
-                  <a:schemeClr val="bg1"/>
-                </a:solidFill>
-              </a:rPr>
-              <a:t>INTRODUCTION</a:t>
-            </a:r>
-            <a:endParaRPr lang="en-US" sz="3600" dirty="0">
-              <a:solidFill>
-                <a:schemeClr val="bg1"/>
-              </a:solidFill>
-            </a:endParaRPr>
-          </a:p>
-        </p:txBody>
-      </p:sp>
-    </p:spTree>
-    <p:extLst>
-      <p:ext uri="{BB962C8B-B14F-4D97-AF65-F5344CB8AC3E}">
-        <p14:creationId xmlns:p14="http://schemas.microsoft.com/office/powerpoint/2010/main" val="3579271731"/>
       </p:ext>
     </p:extLst>
   </p:cSld>
@@ -15135,10 +15600,10 @@
           <a:lstStyle/>
           <a:p>
             <a:r>
-              <a:rPr lang="en-US" dirty="0" smtClean="0"/>
-              <a:t> Properties Precedence</a:t>
-            </a:r>
-            <a:endParaRPr lang="en-US" dirty="0"/>
+              <a:rPr lang="en-US" sz="3200" dirty="0" smtClean="0"/>
+              <a:t>Can we rename application.properties?</a:t>
+            </a:r>
+            <a:endParaRPr lang="en-US" sz="3200" dirty="0"/>
           </a:p>
         </p:txBody>
       </p:sp>
@@ -15159,54 +15624,182 @@
           <a:p>
             <a:r>
               <a:rPr lang="en-US" dirty="0" smtClean="0"/>
-              <a:t>DevTools</a:t>
-            </a:r>
-          </a:p>
-          <a:p>
-            <a:r>
-              <a:rPr lang="en-US" dirty="0" smtClean="0"/>
-              <a:t>@TestPropertySource</a:t>
-            </a:r>
-          </a:p>
-          <a:p>
-            <a:r>
-              <a:rPr lang="en-US" dirty="0" smtClean="0"/>
-              <a:t>Command Line Arguments</a:t>
-            </a:r>
-          </a:p>
-          <a:p>
-            <a:r>
-              <a:rPr lang="en-US" dirty="0" smtClean="0"/>
-              <a:t>Environment Variable</a:t>
-            </a:r>
-          </a:p>
-          <a:p>
-            <a:r>
-              <a:rPr lang="en-US" dirty="0" smtClean="0"/>
-              <a:t>Application-{profile}.properties</a:t>
-            </a:r>
-          </a:p>
-          <a:p>
-            <a:r>
-              <a:rPr lang="en-US" dirty="0" smtClean="0"/>
-              <a:t>Application.properties</a:t>
-            </a:r>
-          </a:p>
-          <a:p>
-            <a:pPr marL="0" indent="0">
-              <a:buNone/>
-            </a:pPr>
-            <a:endParaRPr lang="en-US" dirty="0"/>
+              <a:t>The first way to rename application.properties in Spring boot is by using the command line argument</a:t>
+            </a:r>
+          </a:p>
+          <a:p>
+            <a:endParaRPr lang="en-US" dirty="0" smtClean="0"/>
           </a:p>
           <a:p>
             <a:endParaRPr lang="en-US" dirty="0"/>
           </a:p>
         </p:txBody>
       </p:sp>
+      <p:graphicFrame>
+        <p:nvGraphicFramePr>
+          <p:cNvPr id="4" name="Table 3"/>
+          <p:cNvGraphicFramePr>
+            <a:graphicFrameLocks noGrp="1"/>
+          </p:cNvGraphicFramePr>
+          <p:nvPr>
+            <p:extLst>
+              <p:ext uri="{D42A27DB-BD31-4B8C-83A1-F6EECF244321}">
+                <p14:modId xmlns:p14="http://schemas.microsoft.com/office/powerpoint/2010/main" val="3988218065"/>
+              </p:ext>
+            </p:extLst>
+          </p:nvPr>
+        </p:nvGraphicFramePr>
+        <p:xfrm>
+          <a:off x="1432430" y="3594380"/>
+          <a:ext cx="7210425" cy="365760"/>
+        </p:xfrm>
+        <a:graphic>
+          <a:graphicData uri="http://schemas.openxmlformats.org/drawingml/2006/table">
+            <a:tbl>
+              <a:tblPr/>
+              <a:tblGrid>
+                <a:gridCol w="7210425"/>
+              </a:tblGrid>
+              <a:tr h="0">
+                <a:tc>
+                  <a:txBody>
+                    <a:bodyPr/>
+                    <a:lstStyle/>
+                    <a:p>
+                      <a:pPr algn="l" fontAlgn="base"/>
+                      <a:r>
+                        <a:rPr lang="en-US" dirty="0">
+                          <a:solidFill>
+                            <a:srgbClr val="002D7A"/>
+                          </a:solidFill>
+                          <a:effectLst/>
+                          <a:latin typeface="inherit"/>
+                        </a:rPr>
+                        <a:t>java</a:t>
+                      </a:r>
+                      <a:r>
+                        <a:rPr lang="en-US" dirty="0">
+                          <a:solidFill>
+                            <a:srgbClr val="006FE0"/>
+                          </a:solidFill>
+                          <a:effectLst/>
+                          <a:latin typeface="inherit"/>
+                        </a:rPr>
+                        <a:t> -</a:t>
+                      </a:r>
+                      <a:r>
+                        <a:rPr lang="en-US" dirty="0">
+                          <a:solidFill>
+                            <a:srgbClr val="004ED0"/>
+                          </a:solidFill>
+                          <a:effectLst/>
+                          <a:latin typeface="inherit"/>
+                        </a:rPr>
+                        <a:t>jar </a:t>
+                      </a:r>
+                      <a:r>
+                        <a:rPr lang="en-US" dirty="0">
+                          <a:solidFill>
+                            <a:srgbClr val="002D7A"/>
+                          </a:solidFill>
+                          <a:effectLst/>
+                          <a:latin typeface="inherit"/>
+                        </a:rPr>
+                        <a:t>myproject</a:t>
+                      </a:r>
+                      <a:r>
+                        <a:rPr lang="en-US" dirty="0">
+                          <a:solidFill>
+                            <a:srgbClr val="004ED0"/>
+                          </a:solidFill>
+                          <a:effectLst/>
+                          <a:latin typeface="inherit"/>
+                        </a:rPr>
+                        <a:t>.jar</a:t>
+                      </a:r>
+                      <a:r>
+                        <a:rPr lang="en-US" dirty="0">
+                          <a:solidFill>
+                            <a:srgbClr val="006FE0"/>
+                          </a:solidFill>
+                          <a:effectLst/>
+                          <a:latin typeface="inherit"/>
+                        </a:rPr>
+                        <a:t> --</a:t>
+                      </a:r>
+                      <a:r>
+                        <a:rPr lang="en-US" dirty="0">
+                          <a:solidFill>
+                            <a:srgbClr val="002D7A"/>
+                          </a:solidFill>
+                          <a:effectLst/>
+                          <a:latin typeface="inherit"/>
+                        </a:rPr>
+                        <a:t>spring</a:t>
+                      </a:r>
+                      <a:r>
+                        <a:rPr lang="en-US" dirty="0">
+                          <a:solidFill>
+                            <a:srgbClr val="004ED0"/>
+                          </a:solidFill>
+                          <a:effectLst/>
+                          <a:latin typeface="inherit"/>
+                        </a:rPr>
+                        <a:t>.config.name</a:t>
+                      </a:r>
+                      <a:r>
+                        <a:rPr lang="en-US" dirty="0" smtClean="0">
+                          <a:solidFill>
+                            <a:srgbClr val="006FE0"/>
+                          </a:solidFill>
+                          <a:effectLst/>
+                          <a:latin typeface="inherit"/>
+                        </a:rPr>
+                        <a:t>= </a:t>
+                      </a:r>
+                      <a:r>
+                        <a:rPr lang="en-US" dirty="0" smtClean="0">
+                          <a:solidFill>
+                            <a:srgbClr val="002D7A"/>
+                          </a:solidFill>
+                          <a:effectLst/>
+                          <a:latin typeface="inherit"/>
+                        </a:rPr>
+                        <a:t>conf</a:t>
+                      </a:r>
+                      <a:endParaRPr lang="en-US" dirty="0">
+                        <a:solidFill>
+                          <a:srgbClr val="000000"/>
+                        </a:solidFill>
+                        <a:effectLst/>
+                        <a:latin typeface="inherit"/>
+                      </a:endParaRPr>
+                    </a:p>
+                  </a:txBody>
+                  <a:tcPr>
+                    <a:lnL>
+                      <a:noFill/>
+                    </a:lnL>
+                    <a:lnR>
+                      <a:noFill/>
+                    </a:lnR>
+                    <a:lnT>
+                      <a:noFill/>
+                    </a:lnT>
+                    <a:lnB>
+                      <a:noFill/>
+                    </a:lnB>
+                  </a:tcPr>
+                </a:tc>
+              </a:tr>
+            </a:tbl>
+          </a:graphicData>
+        </a:graphic>
+      </p:graphicFrame>
     </p:spTree>
     <p:extLst>
       <p:ext uri="{BB962C8B-B14F-4D97-AF65-F5344CB8AC3E}">
-        <p14:creationId xmlns:p14="http://schemas.microsoft.com/office/powerpoint/2010/main" val="3655675178"/>
+        <p14:creationId xmlns:p14="http://schemas.microsoft.com/office/powerpoint/2010/main" val="1625035224"/>
       </p:ext>
     </p:extLst>
   </p:cSld>
@@ -15235,29 +15828,6 @@
       </p:grpSpPr>
       <p:sp>
         <p:nvSpPr>
-          <p:cNvPr id="2" name="Title 1"/>
-          <p:cNvSpPr>
-            <a:spLocks noGrp="1"/>
-          </p:cNvSpPr>
-          <p:nvPr>
-            <p:ph type="title"/>
-          </p:nvPr>
-        </p:nvSpPr>
-        <p:spPr/>
-        <p:txBody>
-          <a:bodyPr/>
-          <a:lstStyle/>
-          <a:p>
-            <a:r>
-              <a:rPr lang="en-US" dirty="0" smtClean="0"/>
-              <a:t>Switch between profiles</a:t>
-            </a:r>
-            <a:endParaRPr lang="en-US" dirty="0"/>
-          </a:p>
-        </p:txBody>
-      </p:sp>
-      <p:sp>
-        <p:nvSpPr>
           <p:cNvPr id="3" name="Content Placeholder 2"/>
           <p:cNvSpPr>
             <a:spLocks noGrp="1"/>
@@ -15266,78 +15836,162 @@
             <p:ph idx="1"/>
           </p:nvPr>
         </p:nvSpPr>
-        <p:spPr>
-          <a:xfrm>
-            <a:off x="1154954" y="3185392"/>
-            <a:ext cx="8825659" cy="3416300"/>
-          </a:xfrm>
-        </p:spPr>
+        <p:spPr/>
         <p:txBody>
           <a:bodyPr/>
           <a:lstStyle/>
           <a:p>
+            <a:pPr marL="0" indent="0" fontAlgn="base">
+              <a:buNone/>
+            </a:pPr>
             <a:r>
               <a:rPr lang="en-US" dirty="0"/>
-              <a:t>You can have 3 properties files, application-</a:t>
-            </a:r>
-            <a:r>
-              <a:rPr lang="en-US" dirty="0" err="1"/>
-              <a:t>dev.properties</a:t>
+              <a:t>If you are using Eclipse, below the steps to follow :</a:t>
+            </a:r>
+          </a:p>
+          <a:p>
+            <a:pPr fontAlgn="base"/>
+            <a:r>
+              <a:rPr lang="en-US" b="1" i="1" dirty="0"/>
+              <a:t>Right-Click</a:t>
             </a:r>
             <a:r>
               <a:rPr lang="en-US" dirty="0"/>
-              <a:t>, application-</a:t>
-            </a:r>
-            <a:r>
-              <a:rPr lang="en-US" dirty="0" err="1"/>
-              <a:t>prod.properties</a:t>
+              <a:t> on your Main class, </a:t>
+            </a:r>
+            <a:r>
+              <a:rPr lang="en-US" b="1" i="1" dirty="0"/>
+              <a:t>Run As</a:t>
             </a:r>
             <a:r>
               <a:rPr lang="en-US" dirty="0"/>
-              <a:t> and </a:t>
-            </a:r>
-            <a:r>
-              <a:rPr lang="en-US" dirty="0" smtClean="0"/>
-              <a:t>application.properties.</a:t>
-            </a:r>
-          </a:p>
-          <a:p>
-            <a:pPr marL="0" indent="0">
+              <a:t> -&gt;  </a:t>
+            </a:r>
+            <a:r>
+              <a:rPr lang="en-US" b="1" i="1" dirty="0"/>
+              <a:t>Run configurations…</a:t>
+            </a:r>
+            <a:endParaRPr lang="en-US" dirty="0"/>
+          </a:p>
+          <a:p>
+            <a:pPr fontAlgn="base"/>
+            <a:r>
+              <a:rPr lang="en-US" dirty="0"/>
+              <a:t>Go to </a:t>
+            </a:r>
+            <a:r>
+              <a:rPr lang="en-US" b="1" i="1" dirty="0"/>
+              <a:t>Arguments</a:t>
+            </a:r>
+            <a:r>
+              <a:rPr lang="en-US" i="1" dirty="0"/>
+              <a:t> </a:t>
+            </a:r>
+            <a:r>
+              <a:rPr lang="en-US" dirty="0"/>
+              <a:t>tab</a:t>
+            </a:r>
+          </a:p>
+          <a:p>
+            <a:pPr fontAlgn="base"/>
+            <a:r>
+              <a:rPr lang="en-US" dirty="0"/>
+              <a:t>And in </a:t>
+            </a:r>
+            <a:r>
+              <a:rPr lang="en-US" b="1" i="1" dirty="0"/>
+              <a:t>Program arguments</a:t>
+            </a:r>
+            <a:r>
+              <a:rPr lang="en-US" dirty="0"/>
+              <a:t> region past : --spring.config.name=conf</a:t>
+            </a:r>
+          </a:p>
+          <a:p>
+            <a:pPr fontAlgn="base"/>
+            <a:r>
+              <a:rPr lang="en-US" dirty="0"/>
+              <a:t>Click </a:t>
+            </a:r>
+            <a:r>
+              <a:rPr lang="en-US" b="1" i="1" dirty="0"/>
+              <a:t>Apply</a:t>
+            </a:r>
+            <a:r>
+              <a:rPr lang="en-US" i="1" dirty="0"/>
+              <a:t> </a:t>
+            </a:r>
+            <a:r>
+              <a:rPr lang="en-US" dirty="0"/>
+              <a:t>and then </a:t>
+            </a:r>
+            <a:r>
+              <a:rPr lang="en-US" b="1" i="1" dirty="0"/>
+              <a:t>Run</a:t>
+            </a:r>
+            <a:endParaRPr lang="en-US" dirty="0"/>
+          </a:p>
+          <a:p>
+            <a:pPr marL="0" indent="0" fontAlgn="base">
               <a:buNone/>
             </a:pPr>
             <a:endParaRPr lang="en-US" dirty="0" smtClean="0"/>
           </a:p>
           <a:p>
+            <a:pPr marL="0" indent="0" fontAlgn="base">
+              <a:buNone/>
+            </a:pPr>
             <a:r>
               <a:rPr lang="en-US" dirty="0" smtClean="0"/>
-              <a:t> </a:t>
+              <a:t>Now </a:t>
             </a:r>
             <a:r>
               <a:rPr lang="en-US" dirty="0"/>
-              <a:t>And you can specify all the development properties in your </a:t>
-            </a:r>
-            <a:r>
-              <a:rPr lang="en-US" dirty="0" err="1" smtClean="0"/>
-              <a:t>dev</a:t>
-            </a:r>
-            <a:r>
-              <a:rPr lang="en-US" dirty="0" smtClean="0"/>
-              <a:t> properties </a:t>
-            </a:r>
-            <a:r>
-              <a:rPr lang="en-US" dirty="0"/>
-              <a:t>file and production configuration properties in your prod file</a:t>
+              <a:t>Spring Boot will look for a file named conf.properties located in classpath root, in the package /config in classpath, in the current directory or in /config subdirectory of the current directory.</a:t>
             </a:r>
           </a:p>
           <a:p>
             <a:endParaRPr lang="en-US" dirty="0"/>
+          </a:p>
+        </p:txBody>
+      </p:sp>
+      <p:sp>
+        <p:nvSpPr>
+          <p:cNvPr id="5" name="TextBox 4"/>
+          <p:cNvSpPr txBox="1"/>
+          <p:nvPr/>
+        </p:nvSpPr>
+        <p:spPr>
+          <a:xfrm>
+            <a:off x="1033154" y="985651"/>
+            <a:ext cx="8206093" cy="584775"/>
+          </a:xfrm>
+          <a:prstGeom prst="rect">
+            <a:avLst/>
+          </a:prstGeom>
+          <a:noFill/>
+        </p:spPr>
+        <p:txBody>
+          <a:bodyPr wrap="none" rtlCol="0">
+            <a:spAutoFit/>
+          </a:bodyPr>
+          <a:lstStyle/>
+          <a:p>
+            <a:r>
+              <a:rPr lang="en-US" sz="3200" dirty="0">
+                <a:solidFill>
+                  <a:schemeClr val="bg1"/>
+                </a:solidFill>
+              </a:rPr>
+              <a:t>Can we rename application.properties?</a:t>
+            </a:r>
           </a:p>
         </p:txBody>
       </p:sp>
     </p:spTree>
     <p:extLst>
       <p:ext uri="{BB962C8B-B14F-4D97-AF65-F5344CB8AC3E}">
-        <p14:creationId xmlns:p14="http://schemas.microsoft.com/office/powerpoint/2010/main" val="393179102"/>
+        <p14:creationId xmlns:p14="http://schemas.microsoft.com/office/powerpoint/2010/main" val="1829087925"/>
       </p:ext>
     </p:extLst>
   </p:cSld>
@@ -15366,34 +16020,7 @@
       </p:grpSpPr>
       <p:sp>
         <p:nvSpPr>
-          <p:cNvPr id="2" name="Title 1"/>
-          <p:cNvSpPr>
-            <a:spLocks noGrp="1"/>
-          </p:cNvSpPr>
-          <p:nvPr>
-            <p:ph type="title"/>
-          </p:nvPr>
-        </p:nvSpPr>
-        <p:spPr/>
-        <p:txBody>
-          <a:bodyPr/>
-          <a:lstStyle/>
-          <a:p>
-            <a:r>
-              <a:rPr lang="en-US" dirty="0"/>
-              <a:t>a</a:t>
-            </a:r>
-            <a:r>
-              <a:rPr lang="en-US" dirty="0" smtClean="0"/>
-              <a:t>pplication.properties</a:t>
-            </a:r>
-            <a:endParaRPr lang="en-US" dirty="0"/>
-          </a:p>
-        </p:txBody>
-      </p:sp>
-      <p:sp>
-        <p:nvSpPr>
-          <p:cNvPr id="5" name="Content Placeholder 4"/>
+          <p:cNvPr id="6" name="Content Placeholder 5"/>
           <p:cNvSpPr>
             <a:spLocks noGrp="1"/>
           </p:cNvSpPr>
@@ -15403,121 +16030,209 @@
         </p:nvSpPr>
         <p:spPr>
           <a:xfrm>
-            <a:off x="1154954" y="2674751"/>
-            <a:ext cx="8825659" cy="3416300"/>
+            <a:off x="1178705" y="2440379"/>
+            <a:ext cx="8825659" cy="4417621"/>
           </a:xfrm>
         </p:spPr>
         <p:txBody>
           <a:bodyPr>
-            <a:normAutofit/>
+            <a:normAutofit fontScale="92500" lnSpcReduction="20000"/>
           </a:bodyPr>
           <a:lstStyle/>
           <a:p>
-            <a:pPr marL="0" indent="0">
+            <a:pPr marL="0" indent="0" fontAlgn="base">
               <a:buNone/>
             </a:pPr>
             <a:r>
+              <a:rPr lang="en-US" dirty="0"/>
+              <a:t>import org.springframework.boot.autoconfigure.SpringBootApplication;</a:t>
+            </a:r>
+          </a:p>
+          <a:p>
+            <a:pPr marL="0" indent="0" fontAlgn="base">
+              <a:buNone/>
+            </a:pPr>
+            <a:r>
+              <a:rPr lang="en-US" dirty="0"/>
+              <a:t>import org.springframework.boot.builder.SpringApplicationBuilder;</a:t>
+            </a:r>
+          </a:p>
+          <a:p>
+            <a:pPr marL="0" indent="0" fontAlgn="base">
+              <a:buNone/>
+            </a:pPr>
+            <a:r>
+              <a:rPr lang="en-US" dirty="0"/>
+              <a:t> </a:t>
+            </a:r>
+          </a:p>
+          <a:p>
+            <a:pPr marL="0" indent="0" fontAlgn="base">
+              <a:buNone/>
+            </a:pPr>
+            <a:r>
+              <a:rPr lang="en-US" i="1" dirty="0"/>
+              <a:t>@SpringBootApplication</a:t>
+            </a:r>
+            <a:endParaRPr lang="en-US" dirty="0"/>
+          </a:p>
+          <a:p>
+            <a:pPr marL="0" indent="0" fontAlgn="base">
+              <a:buNone/>
+            </a:pPr>
+            <a:r>
+              <a:rPr lang="en-US" dirty="0"/>
+              <a:t>public class Application {</a:t>
+            </a:r>
+          </a:p>
+          <a:p>
+            <a:pPr marL="0" indent="0" fontAlgn="base">
+              <a:buNone/>
+            </a:pPr>
+            <a:r>
+              <a:rPr lang="en-US" dirty="0"/>
+              <a:t> </a:t>
+            </a:r>
+          </a:p>
+          <a:p>
+            <a:pPr marL="0" indent="0" fontAlgn="base">
+              <a:buNone/>
+            </a:pPr>
+            <a:r>
               <a:rPr lang="en-US" dirty="0" smtClean="0"/>
-              <a:t># </a:t>
+              <a:t>	public </a:t>
             </a:r>
             <a:r>
               <a:rPr lang="en-US" dirty="0"/>
-              <a:t>This is the main file</a:t>
-            </a:r>
-          </a:p>
-          <a:p>
-            <a:pPr marL="0" indent="0">
+              <a:t>static void main(String[] args) {</a:t>
+            </a:r>
+          </a:p>
+          <a:p>
+            <a:pPr marL="0" indent="0" fontAlgn="base">
               <a:buNone/>
             </a:pPr>
             <a:r>
+              <a:rPr lang="en-US" dirty="0" smtClean="0"/>
+              <a:t>	new </a:t>
+            </a:r>
+            <a:r>
               <a:rPr lang="en-US" dirty="0"/>
-              <a:t>spring.profiles=p1,p2,p3</a:t>
-            </a:r>
-          </a:p>
-          <a:p>
-            <a:pPr marL="0" indent="0">
+              <a:t>SpringApplicationBuilder(Application.class)</a:t>
+            </a:r>
+          </a:p>
+          <a:p>
+            <a:pPr marL="0" indent="0" fontAlgn="base">
               <a:buNone/>
             </a:pPr>
             <a:r>
               <a:rPr lang="en-US" dirty="0" smtClean="0"/>
-              <a:t>prop-main=hi</a:t>
-            </a:r>
-          </a:p>
-          <a:p>
-            <a:pPr marL="0" indent="0">
+              <a:t>	.</a:t>
+            </a:r>
+            <a:r>
+              <a:rPr lang="en-US" dirty="0"/>
+              <a:t>properties("spring.config.name:conf")</a:t>
+            </a:r>
+          </a:p>
+          <a:p>
+            <a:pPr marL="0" indent="0" fontAlgn="base">
               <a:buNone/>
             </a:pPr>
-            <a:endParaRPr lang="en-US" dirty="0" smtClean="0"/>
-          </a:p>
-          <a:p>
-            <a:pPr marL="0" indent="0">
+            <a:r>
+              <a:rPr lang="en-US" dirty="0" smtClean="0"/>
+              <a:t>	.</a:t>
+            </a:r>
+            <a:r>
+              <a:rPr lang="en-US" dirty="0"/>
+              <a:t>build()</a:t>
+            </a:r>
+          </a:p>
+          <a:p>
+            <a:pPr marL="0" indent="0" fontAlgn="base">
               <a:buNone/>
             </a:pPr>
             <a:r>
               <a:rPr lang="en-US" dirty="0" smtClean="0"/>
-              <a:t>spring.profiles.active= </a:t>
-            </a:r>
-            <a:r>
-              <a:rPr lang="en-US" dirty="0" err="1" smtClean="0"/>
-              <a:t>dev</a:t>
+              <a:t>	.</a:t>
+            </a:r>
+            <a:r>
+              <a:rPr lang="en-US" dirty="0"/>
+              <a:t>run(args);</a:t>
+            </a:r>
+          </a:p>
+          <a:p>
+            <a:pPr marL="0" indent="0" fontAlgn="base">
+              <a:buNone/>
+            </a:pPr>
+            <a:r>
+              <a:rPr lang="en-US" dirty="0" smtClean="0"/>
+              <a:t>	}</a:t>
             </a:r>
             <a:endParaRPr lang="en-US" dirty="0"/>
           </a:p>
           <a:p>
-            <a:endParaRPr lang="en-US" dirty="0"/>
-          </a:p>
-          <a:p>
-            <a:endParaRPr lang="en-US" dirty="0"/>
-          </a:p>
-          <a:p>
-            <a:endParaRPr lang="en-US" dirty="0"/>
-          </a:p>
-          <a:p>
-            <a:pPr marL="0" indent="0">
+            <a:pPr marL="0" indent="0" fontAlgn="base">
               <a:buNone/>
             </a:pPr>
+            <a:r>
+              <a:rPr lang="en-US" dirty="0"/>
+              <a:t>}</a:t>
+            </a:r>
+          </a:p>
+          <a:p>
             <a:endParaRPr lang="en-US" dirty="0"/>
           </a:p>
         </p:txBody>
       </p:sp>
       <p:sp>
         <p:nvSpPr>
-          <p:cNvPr id="6" name="Rectangle 5"/>
-          <p:cNvSpPr/>
+          <p:cNvPr id="7" name="TextBox 6"/>
+          <p:cNvSpPr txBox="1"/>
           <p:nvPr/>
         </p:nvSpPr>
         <p:spPr>
           <a:xfrm>
-            <a:off x="3048000" y="1028343"/>
-            <a:ext cx="6096000" cy="646331"/>
+            <a:off x="917448" y="938150"/>
+            <a:ext cx="8206093" cy="584775"/>
           </a:xfrm>
           <a:prstGeom prst="rect">
             <a:avLst/>
           </a:prstGeom>
+          <a:noFill/>
         </p:spPr>
         <p:txBody>
-          <a:bodyPr>
+          <a:bodyPr wrap="none" rtlCol="0">
             <a:spAutoFit/>
           </a:bodyPr>
           <a:lstStyle/>
           <a:p>
-            <a:endParaRPr lang="en-US" dirty="0"/>
-          </a:p>
-          <a:p>
-            <a:endParaRPr lang="en-US" dirty="0"/>
+            <a:r>
+              <a:rPr lang="en-US" sz="3200" dirty="0">
+                <a:solidFill>
+                  <a:schemeClr val="bg1"/>
+                </a:solidFill>
+              </a:rPr>
+              <a:t>Can we rename application.properties?</a:t>
+            </a:r>
           </a:p>
         </p:txBody>
       </p:sp>
     </p:spTree>
     <p:extLst>
       <p:ext uri="{BB962C8B-B14F-4D97-AF65-F5344CB8AC3E}">
-        <p14:creationId xmlns:p14="http://schemas.microsoft.com/office/powerpoint/2010/main" val="88112552"/>
+        <p14:creationId xmlns:p14="http://schemas.microsoft.com/office/powerpoint/2010/main" val="2848835343"/>
       </p:ext>
     </p:extLst>
   </p:cSld>
   <p:clrMapOvr>
     <a:masterClrMapping/>
   </p:clrMapOvr>
+  <p:timing>
+    <p:tnLst>
+      <p:par>
+        <p:cTn id="1" dur="indefinite" restart="never" nodeType="tmRoot"/>
+      </p:par>
+    </p:tnLst>
+  </p:timing>
 </p:sld>
 </file>
 
@@ -15540,76 +16255,89 @@
       </p:grpSpPr>
       <p:sp>
         <p:nvSpPr>
-          <p:cNvPr id="2" name="Title 1"/>
-          <p:cNvSpPr>
-            <a:spLocks noGrp="1"/>
-          </p:cNvSpPr>
-          <p:nvPr>
-            <p:ph type="title"/>
-          </p:nvPr>
+          <p:cNvPr id="6" name="TextBox 5"/>
+          <p:cNvSpPr txBox="1"/>
+          <p:nvPr/>
         </p:nvSpPr>
-        <p:spPr/>
+        <p:spPr>
+          <a:xfrm>
+            <a:off x="1219200" y="1021279"/>
+            <a:ext cx="6500497" cy="584775"/>
+          </a:xfrm>
+          <a:prstGeom prst="rect">
+            <a:avLst/>
+          </a:prstGeom>
+          <a:noFill/>
+        </p:spPr>
         <p:txBody>
-          <a:bodyPr/>
+          <a:bodyPr wrap="none" rtlCol="0">
+            <a:spAutoFit/>
+          </a:bodyPr>
           <a:lstStyle/>
           <a:p>
             <a:r>
-              <a:rPr lang="en-US" dirty="0"/>
-              <a:t>application-p1.properties</a:t>
-            </a:r>
+              <a:rPr lang="en-US" sz="3200" dirty="0" smtClean="0">
+                <a:solidFill>
+                  <a:schemeClr val="bg1"/>
+                </a:solidFill>
+              </a:rPr>
+              <a:t>Common Spring Boot Properties</a:t>
+            </a:r>
+            <a:endParaRPr lang="en-US" sz="3200" dirty="0">
+              <a:solidFill>
+                <a:schemeClr val="bg1"/>
+              </a:solidFill>
+            </a:endParaRPr>
           </a:p>
         </p:txBody>
       </p:sp>
       <p:sp>
         <p:nvSpPr>
-          <p:cNvPr id="3" name="Content Placeholder 2"/>
-          <p:cNvSpPr>
-            <a:spLocks noGrp="1"/>
-          </p:cNvSpPr>
-          <p:nvPr>
-            <p:ph idx="1"/>
-          </p:nvPr>
+          <p:cNvPr id="10" name="TextBox 9"/>
+          <p:cNvSpPr txBox="1"/>
+          <p:nvPr/>
         </p:nvSpPr>
-        <p:spPr/>
+        <p:spPr>
+          <a:xfrm>
+            <a:off x="508436" y="3253840"/>
+            <a:ext cx="11469807" cy="369332"/>
+          </a:xfrm>
+          <a:prstGeom prst="rect">
+            <a:avLst/>
+          </a:prstGeom>
+          <a:noFill/>
+        </p:spPr>
         <p:txBody>
-          <a:bodyPr/>
+          <a:bodyPr wrap="none" rtlCol="0">
+            <a:spAutoFit/>
+          </a:bodyPr>
           <a:lstStyle/>
           <a:p>
-            <a:pPr marL="0" indent="0">
-              <a:buNone/>
-            </a:pPr>
-            <a:r>
-              <a:rPr lang="en-US" dirty="0" smtClean="0"/>
-              <a:t># </a:t>
-            </a:r>
-            <a:r>
-              <a:rPr lang="en-US" dirty="0"/>
-              <a:t>This is the file with p1 properties</a:t>
-            </a:r>
-          </a:p>
-          <a:p>
-            <a:pPr marL="0" indent="0">
-              <a:buNone/>
-            </a:pPr>
-            <a:r>
-              <a:rPr lang="en-US" dirty="0"/>
-              <a:t>property1= </a:t>
-            </a:r>
-            <a:r>
-              <a:rPr lang="en-US" dirty="0" smtClean="0"/>
-              <a:t>xyz</a:t>
-            </a:r>
-            <a:endParaRPr lang="en-US" dirty="0"/>
-          </a:p>
-          <a:p>
-            <a:endParaRPr lang="en-US" dirty="0"/>
+            <a:r>
+              <a:rPr lang="en-US" dirty="0">
+                <a:solidFill>
+                  <a:schemeClr val="accent5">
+                    <a:lumMod val="50000"/>
+                  </a:schemeClr>
+                </a:solidFill>
+                <a:hlinkClick r:id="rId2"/>
+              </a:rPr>
+              <a:t>https://docs.spring.io/spring-boot/docs/current/reference/html/common-application-properties.html</a:t>
+            </a:r>
+            <a:endParaRPr lang="en-US" dirty="0">
+              <a:solidFill>
+                <a:schemeClr val="accent5">
+                  <a:lumMod val="50000"/>
+                </a:schemeClr>
+              </a:solidFill>
+            </a:endParaRPr>
           </a:p>
         </p:txBody>
       </p:sp>
     </p:spTree>
     <p:extLst>
       <p:ext uri="{BB962C8B-B14F-4D97-AF65-F5344CB8AC3E}">
-        <p14:creationId xmlns:p14="http://schemas.microsoft.com/office/powerpoint/2010/main" val="3042743450"/>
+        <p14:creationId xmlns:p14="http://schemas.microsoft.com/office/powerpoint/2010/main" val="1134856314"/>
       </p:ext>
     </p:extLst>
   </p:cSld>
@@ -15652,9 +16380,10 @@
           <a:lstStyle/>
           <a:p>
             <a:r>
-              <a:rPr lang="en-US" dirty="0"/>
-              <a:t>application-p2.properties</a:t>
-            </a:r>
+              <a:rPr lang="en-US" dirty="0" smtClean="0"/>
+              <a:t> Properties Precedence</a:t>
+            </a:r>
+            <a:endParaRPr lang="en-US" dirty="0"/>
           </a:p>
         </p:txBody>
       </p:sp>
@@ -15673,26 +16402,41 @@
           <a:bodyPr/>
           <a:lstStyle/>
           <a:p>
+            <a:r>
+              <a:rPr lang="en-US" dirty="0" smtClean="0"/>
+              <a:t>DevTools</a:t>
+            </a:r>
+            <a:endParaRPr lang="en-US" dirty="0" smtClean="0"/>
+          </a:p>
+          <a:p>
+            <a:r>
+              <a:rPr lang="en-US" dirty="0" smtClean="0"/>
+              <a:t>Command Line Arguments</a:t>
+            </a:r>
+          </a:p>
+          <a:p>
+            <a:r>
+              <a:rPr lang="en-US" dirty="0" smtClean="0"/>
+              <a:t>Environment Variable</a:t>
+            </a:r>
+          </a:p>
+          <a:p>
+            <a:r>
+              <a:rPr lang="en-US" dirty="0" smtClean="0"/>
+              <a:t>Application-{profile}.properties</a:t>
+            </a:r>
+          </a:p>
+          <a:p>
+            <a:r>
+              <a:rPr lang="en-US" dirty="0" smtClean="0"/>
+              <a:t>Application.properties</a:t>
+            </a:r>
+          </a:p>
+          <a:p>
             <a:pPr marL="0" indent="0">
               <a:buNone/>
             </a:pPr>
-            <a:r>
-              <a:rPr lang="en-US" dirty="0" smtClean="0"/>
-              <a:t># </a:t>
-            </a:r>
-            <a:r>
-              <a:rPr lang="en-US" dirty="0"/>
-              <a:t>This is the file with p2 properties</a:t>
-            </a:r>
-          </a:p>
-          <a:p>
-            <a:pPr marL="0" indent="0">
-              <a:buNone/>
-            </a:pPr>
-            <a:r>
-              <a:rPr lang="en-US" dirty="0"/>
-              <a:t>property2=catsup</a:t>
-            </a:r>
+            <a:endParaRPr lang="en-US" dirty="0"/>
           </a:p>
           <a:p>
             <a:endParaRPr lang="en-US" dirty="0"/>
@@ -15702,7 +16446,7 @@
     </p:spTree>
     <p:extLst>
       <p:ext uri="{BB962C8B-B14F-4D97-AF65-F5344CB8AC3E}">
-        <p14:creationId xmlns:p14="http://schemas.microsoft.com/office/powerpoint/2010/main" val="3082803834"/>
+        <p14:creationId xmlns:p14="http://schemas.microsoft.com/office/powerpoint/2010/main" val="3655675178"/>
       </p:ext>
     </p:extLst>
   </p:cSld>
@@ -15746,8 +16490,13 @@
           <a:p>
             <a:r>
               <a:rPr lang="en-US" dirty="0"/>
-              <a:t>application-p3.properties</a:t>
-            </a:r>
+              <a:t>a</a:t>
+            </a:r>
+            <a:r>
+              <a:rPr lang="en-US" dirty="0" smtClean="0"/>
+              <a:t>pplication.properties</a:t>
+            </a:r>
+            <a:endParaRPr lang="en-US" dirty="0"/>
           </a:p>
         </p:txBody>
       </p:sp>
@@ -15761,21 +16510,36 @@
             <p:ph idx="1"/>
           </p:nvPr>
         </p:nvSpPr>
-        <p:spPr/>
+        <p:spPr>
+          <a:xfrm>
+            <a:off x="1122830" y="3031011"/>
+            <a:ext cx="8825659" cy="3416300"/>
+          </a:xfrm>
+        </p:spPr>
         <p:txBody>
           <a:bodyPr/>
           <a:lstStyle/>
           <a:p>
+            <a:r>
+              <a:rPr lang="en-US" dirty="0" smtClean="0"/>
+              <a:t>Will be searched for in:</a:t>
+            </a:r>
+          </a:p>
+          <a:p>
             <a:pPr marL="0" indent="0">
               <a:buNone/>
             </a:pPr>
             <a:r>
               <a:rPr lang="en-US" dirty="0" smtClean="0"/>
-              <a:t># </a:t>
+              <a:t>1- /config subdirectory of current directory</a:t>
             </a:r>
             <a:r>
               <a:rPr lang="en-US" dirty="0"/>
-              <a:t>This is the file with p3 properties</a:t>
+              <a:t> where the application is running</a:t>
+            </a:r>
+            <a:r>
+              <a:rPr lang="en-US" dirty="0" smtClean="0"/>
+              <a:t> externally.</a:t>
             </a:r>
           </a:p>
           <a:p>
@@ -15783,11 +16547,27 @@
               <a:buNone/>
             </a:pPr>
             <a:r>
-              <a:rPr lang="en-US" dirty="0"/>
-              <a:t>property3= helloworld</a:t>
-            </a:r>
-          </a:p>
-          <a:p>
+              <a:rPr lang="en-US" dirty="0" smtClean="0"/>
+              <a:t>2- current directory where the application is running.</a:t>
+            </a:r>
+          </a:p>
+          <a:p>
+            <a:pPr marL="0" indent="0">
+              <a:buNone/>
+            </a:pPr>
+            <a:r>
+              <a:rPr lang="en-US" dirty="0" smtClean="0"/>
+              <a:t>3-classpath/config package internally.</a:t>
+            </a:r>
+          </a:p>
+          <a:p>
+            <a:pPr marL="0" indent="0">
+              <a:buNone/>
+            </a:pPr>
+            <a:r>
+              <a:rPr lang="en-US" dirty="0" smtClean="0"/>
+              <a:t>4-classpath root, internally.</a:t>
+            </a:r>
             <a:endParaRPr lang="en-US" dirty="0"/>
           </a:p>
         </p:txBody>
@@ -15795,7 +16575,7 @@
     </p:spTree>
     <p:extLst>
       <p:ext uri="{BB962C8B-B14F-4D97-AF65-F5344CB8AC3E}">
-        <p14:creationId xmlns:p14="http://schemas.microsoft.com/office/powerpoint/2010/main" val="906986185"/>
+        <p14:creationId xmlns:p14="http://schemas.microsoft.com/office/powerpoint/2010/main" val="249890557"/>
       </p:ext>
     </p:extLst>
   </p:cSld>
@@ -15832,23 +16612,19 @@
             <p:ph type="title"/>
           </p:nvPr>
         </p:nvSpPr>
-        <p:spPr>
-          <a:xfrm>
-            <a:off x="1219200" y="1258676"/>
-            <a:ext cx="8761413" cy="706964"/>
-          </a:xfrm>
-        </p:spPr>
+        <p:spPr/>
         <p:txBody>
           <a:bodyPr/>
           <a:lstStyle/>
           <a:p>
             <a:r>
-              <a:rPr lang="en-US" dirty="0"/>
-              <a:t>spring treats it like.. </a:t>
-            </a:r>
-            <a:br>
-              <a:rPr lang="en-US" dirty="0"/>
-            </a:br>
+              <a:rPr lang="en-US" dirty="0" smtClean="0"/>
+              <a:t>Switching </a:t>
+            </a:r>
+            <a:r>
+              <a:rPr lang="en-US" dirty="0" smtClean="0"/>
+              <a:t>between profiles</a:t>
+            </a:r>
             <a:endParaRPr lang="en-US" dirty="0"/>
           </a:p>
         </p:txBody>
@@ -15863,74 +16639,82 @@
             <p:ph idx="1"/>
           </p:nvPr>
         </p:nvSpPr>
-        <p:spPr/>
+        <p:spPr>
+          <a:xfrm>
+            <a:off x="1154954" y="3185392"/>
+            <a:ext cx="8825659" cy="3416300"/>
+          </a:xfrm>
+        </p:spPr>
         <p:txBody>
           <a:bodyPr/>
           <a:lstStyle/>
           <a:p>
+            <a:r>
+              <a:rPr lang="en-US" dirty="0"/>
+              <a:t>You can have 3 properties files, application-</a:t>
+            </a:r>
+            <a:r>
+              <a:rPr lang="en-US" dirty="0" err="1"/>
+              <a:t>dev.properties</a:t>
+            </a:r>
+            <a:r>
+              <a:rPr lang="en-US" dirty="0" smtClean="0"/>
+              <a:t>,</a:t>
+            </a:r>
+          </a:p>
+          <a:p>
+            <a:pPr marL="0" indent="0">
+              <a:buNone/>
+            </a:pPr>
+            <a:r>
+              <a:rPr lang="en-US" dirty="0" smtClean="0"/>
+              <a:t> 	application-</a:t>
+            </a:r>
+            <a:r>
+              <a:rPr lang="en-US" dirty="0" err="1" smtClean="0"/>
+              <a:t>prod.properties</a:t>
+            </a:r>
+            <a:r>
+              <a:rPr lang="en-US" dirty="0" smtClean="0"/>
+              <a:t> </a:t>
+            </a:r>
+            <a:r>
+              <a:rPr lang="en-US" dirty="0"/>
+              <a:t>and </a:t>
+            </a:r>
+            <a:r>
+              <a:rPr lang="en-US" dirty="0" smtClean="0"/>
+              <a:t>application.properties.</a:t>
+            </a:r>
+          </a:p>
+          <a:p>
+            <a:pPr marL="0" indent="0">
+              <a:buNone/>
+            </a:pPr>
+            <a:endParaRPr lang="en-US" dirty="0" smtClean="0"/>
+          </a:p>
+          <a:p>
+            <a:r>
+              <a:rPr lang="en-US" dirty="0" smtClean="0"/>
+              <a:t> </a:t>
+            </a:r>
+            <a:r>
+              <a:rPr lang="en-US" dirty="0"/>
+              <a:t>And you can specify all the development properties in your </a:t>
+            </a:r>
+            <a:r>
+              <a:rPr lang="en-US" dirty="0" smtClean="0"/>
+              <a:t>dev properties </a:t>
+            </a:r>
+            <a:r>
+              <a:rPr lang="en-US" dirty="0"/>
+              <a:t>file and production configuration properties in your prod </a:t>
+            </a:r>
+            <a:r>
+              <a:rPr lang="en-US" dirty="0" smtClean="0"/>
+              <a:t>file.</a:t>
+            </a:r>
             <a:endParaRPr lang="en-US" dirty="0"/>
-          </a:p>
-          <a:p>
-            <a:pPr marL="0" indent="0">
-              <a:buNone/>
-            </a:pPr>
-            <a:r>
-              <a:rPr lang="en-US" dirty="0"/>
-              <a:t>application.properties </a:t>
-            </a:r>
-            <a:r>
-              <a:rPr lang="en-US" dirty="0" smtClean="0"/>
-              <a:t>                       # </a:t>
-            </a:r>
-            <a:r>
-              <a:rPr lang="en-US" dirty="0"/>
-              <a:t>This is the main file</a:t>
-            </a:r>
-          </a:p>
-          <a:p>
-            <a:pPr marL="0" indent="0">
-              <a:buNone/>
-            </a:pPr>
-            <a:r>
-              <a:rPr lang="en-US" dirty="0"/>
-              <a:t>spring.profiles=p1,p2,p3</a:t>
-            </a:r>
-          </a:p>
-          <a:p>
-            <a:pPr marL="0" indent="0">
-              <a:buNone/>
-            </a:pPr>
-            <a:r>
-              <a:rPr lang="en-US" dirty="0"/>
-              <a:t>prop-main=hi</a:t>
-            </a:r>
-          </a:p>
-          <a:p>
-            <a:pPr marL="0" indent="0">
-              <a:buNone/>
-            </a:pPr>
-            <a:r>
-              <a:rPr lang="en-US" dirty="0"/>
-              <a:t>property1=patata</a:t>
-            </a:r>
-          </a:p>
-          <a:p>
-            <a:pPr marL="0" indent="0">
-              <a:buNone/>
-            </a:pPr>
-            <a:r>
-              <a:rPr lang="en-US" dirty="0"/>
-              <a:t>property2=catsup</a:t>
-            </a:r>
-          </a:p>
-          <a:p>
-            <a:pPr marL="0" indent="0">
-              <a:buNone/>
-            </a:pPr>
-            <a:r>
-              <a:rPr lang="en-US" dirty="0"/>
-              <a:t>property3=helloworld</a:t>
-            </a:r>
           </a:p>
           <a:p>
             <a:endParaRPr lang="en-US" dirty="0"/>
@@ -15940,7 +16724,7 @@
     </p:spTree>
     <p:extLst>
       <p:ext uri="{BB962C8B-B14F-4D97-AF65-F5344CB8AC3E}">
-        <p14:creationId xmlns:p14="http://schemas.microsoft.com/office/powerpoint/2010/main" val="483998236"/>
+        <p14:creationId xmlns:p14="http://schemas.microsoft.com/office/powerpoint/2010/main" val="393179102"/>
       </p:ext>
     </p:extLst>
   </p:cSld>
